--- a/卒業論文/2013/松本併太/卒研中間審査用研究ポスター.pptx
+++ b/卒業論文/2013/松本併太/卒研中間審査用研究ポスター.pptx
@@ -195,7 +195,7 @@
           <a:p>
             <a:fld id="{3A229F05-2F6E-43CF-9ECC-EC9F25D9D1C4}" type="datetimeFigureOut">
               <a:rPr kumimoji="1" lang="ja-JP" altLang="en-US" smtClean="0"/>
-              <a:t>2014/10/14</a:t>
+              <a:t>2014/10/16</a:t>
             </a:fld>
             <a:endParaRPr kumimoji="1" lang="ja-JP" altLang="en-US"/>
           </a:p>
@@ -676,7 +676,7 @@
           <a:p>
             <a:fld id="{7599971D-E424-4083-B0C6-61FDC58FEAC9}" type="datetimeFigureOut">
               <a:rPr kumimoji="1" lang="ja-JP" altLang="en-US" smtClean="0"/>
-              <a:t>2014/10/14</a:t>
+              <a:t>2014/10/16</a:t>
             </a:fld>
             <a:endParaRPr kumimoji="1" lang="ja-JP" altLang="en-US"/>
           </a:p>
@@ -878,7 +878,7 @@
           <a:p>
             <a:fld id="{7599971D-E424-4083-B0C6-61FDC58FEAC9}" type="datetimeFigureOut">
               <a:rPr kumimoji="1" lang="ja-JP" altLang="en-US" smtClean="0"/>
-              <a:t>2014/10/14</a:t>
+              <a:t>2014/10/16</a:t>
             </a:fld>
             <a:endParaRPr kumimoji="1" lang="ja-JP" altLang="en-US"/>
           </a:p>
@@ -1090,7 +1090,7 @@
           <a:p>
             <a:fld id="{7599971D-E424-4083-B0C6-61FDC58FEAC9}" type="datetimeFigureOut">
               <a:rPr kumimoji="1" lang="ja-JP" altLang="en-US" smtClean="0"/>
-              <a:t>2014/10/14</a:t>
+              <a:t>2014/10/16</a:t>
             </a:fld>
             <a:endParaRPr kumimoji="1" lang="ja-JP" altLang="en-US"/>
           </a:p>
@@ -1292,7 +1292,7 @@
           <a:p>
             <a:fld id="{7599971D-E424-4083-B0C6-61FDC58FEAC9}" type="datetimeFigureOut">
               <a:rPr kumimoji="1" lang="ja-JP" altLang="en-US" smtClean="0"/>
-              <a:t>2014/10/14</a:t>
+              <a:t>2014/10/16</a:t>
             </a:fld>
             <a:endParaRPr kumimoji="1" lang="ja-JP" altLang="en-US"/>
           </a:p>
@@ -1538,7 +1538,7 @@
           <a:p>
             <a:fld id="{7599971D-E424-4083-B0C6-61FDC58FEAC9}" type="datetimeFigureOut">
               <a:rPr kumimoji="1" lang="ja-JP" altLang="en-US" smtClean="0"/>
-              <a:t>2014/10/14</a:t>
+              <a:t>2014/10/16</a:t>
             </a:fld>
             <a:endParaRPr kumimoji="1" lang="ja-JP" altLang="en-US"/>
           </a:p>
@@ -1890,7 +1890,7 @@
           <a:p>
             <a:fld id="{7599971D-E424-4083-B0C6-61FDC58FEAC9}" type="datetimeFigureOut">
               <a:rPr kumimoji="1" lang="ja-JP" altLang="en-US" smtClean="0"/>
-              <a:t>2014/10/14</a:t>
+              <a:t>2014/10/16</a:t>
             </a:fld>
             <a:endParaRPr kumimoji="1" lang="ja-JP" altLang="en-US"/>
           </a:p>
@@ -2381,7 +2381,7 @@
           <a:p>
             <a:fld id="{7599971D-E424-4083-B0C6-61FDC58FEAC9}" type="datetimeFigureOut">
               <a:rPr kumimoji="1" lang="ja-JP" altLang="en-US" smtClean="0"/>
-              <a:t>2014/10/14</a:t>
+              <a:t>2014/10/16</a:t>
             </a:fld>
             <a:endParaRPr kumimoji="1" lang="ja-JP" altLang="en-US"/>
           </a:p>
@@ -2499,7 +2499,7 @@
           <a:p>
             <a:fld id="{7599971D-E424-4083-B0C6-61FDC58FEAC9}" type="datetimeFigureOut">
               <a:rPr kumimoji="1" lang="ja-JP" altLang="en-US" smtClean="0"/>
-              <a:t>2014/10/14</a:t>
+              <a:t>2014/10/16</a:t>
             </a:fld>
             <a:endParaRPr kumimoji="1" lang="ja-JP" altLang="en-US"/>
           </a:p>
@@ -2594,7 +2594,7 @@
           <a:p>
             <a:fld id="{7599971D-E424-4083-B0C6-61FDC58FEAC9}" type="datetimeFigureOut">
               <a:rPr kumimoji="1" lang="ja-JP" altLang="en-US" smtClean="0"/>
-              <a:t>2014/10/14</a:t>
+              <a:t>2014/10/16</a:t>
             </a:fld>
             <a:endParaRPr kumimoji="1" lang="ja-JP" altLang="en-US"/>
           </a:p>
@@ -2903,7 +2903,7 @@
           <a:p>
             <a:fld id="{7599971D-E424-4083-B0C6-61FDC58FEAC9}" type="datetimeFigureOut">
               <a:rPr kumimoji="1" lang="ja-JP" altLang="en-US" smtClean="0"/>
-              <a:t>2014/10/14</a:t>
+              <a:t>2014/10/16</a:t>
             </a:fld>
             <a:endParaRPr kumimoji="1" lang="ja-JP" altLang="en-US"/>
           </a:p>
@@ -3156,7 +3156,7 @@
           <a:p>
             <a:fld id="{7599971D-E424-4083-B0C6-61FDC58FEAC9}" type="datetimeFigureOut">
               <a:rPr kumimoji="1" lang="ja-JP" altLang="en-US" smtClean="0"/>
-              <a:t>2014/10/14</a:t>
+              <a:t>2014/10/16</a:t>
             </a:fld>
             <a:endParaRPr kumimoji="1" lang="ja-JP" altLang="en-US"/>
           </a:p>
@@ -3401,7 +3401,7 @@
           <a:p>
             <a:fld id="{7599971D-E424-4083-B0C6-61FDC58FEAC9}" type="datetimeFigureOut">
               <a:rPr kumimoji="1" lang="ja-JP" altLang="en-US" smtClean="0"/>
-              <a:t>2014/10/14</a:t>
+              <a:t>2014/10/16</a:t>
             </a:fld>
             <a:endParaRPr kumimoji="1" lang="ja-JP" altLang="en-US"/>
           </a:p>
@@ -4074,8 +4074,8 @@
         </p:nvGrpSpPr>
         <p:grpSpPr>
           <a:xfrm>
-            <a:off x="4057181" y="7094449"/>
-            <a:ext cx="2687786" cy="1942046"/>
+            <a:off x="4057181" y="7487503"/>
+            <a:ext cx="2687786" cy="1548992"/>
             <a:chOff x="184686" y="7957043"/>
             <a:chExt cx="3820379" cy="1078055"/>
           </a:xfrm>
@@ -4170,7 +4170,7 @@
           <p:spPr>
             <a:xfrm>
               <a:off x="404581" y="8277867"/>
-              <a:ext cx="3307791" cy="568286"/>
+              <a:ext cx="3307791" cy="401632"/>
             </a:xfrm>
             <a:prstGeom prst="rect">
               <a:avLst/>
@@ -4184,278 +4184,292 @@
             <a:lstStyle/>
             <a:p>
               <a:r>
-                <a:rPr lang="ja-JP" altLang="en-US" sz="1400" dirty="0"/>
+                <a:rPr lang="ja-JP" altLang="en-US" sz="1050" dirty="0"/>
                 <a:t>タブレット型端末を貸与されている学生の一部を対象に行う，アンケートの設計中である．</a:t>
               </a:r>
-              <a:endParaRPr kumimoji="1" lang="ja-JP" altLang="en-US" sz="1400" dirty="0"/>
+              <a:endParaRPr kumimoji="1" lang="ja-JP" altLang="en-US" sz="1050" dirty="0"/>
             </a:p>
           </p:txBody>
         </p:sp>
       </p:grpSp>
-      <p:grpSp>
-        <p:nvGrpSpPr>
-          <p:cNvPr id="60" name="グループ化 59"/>
-          <p:cNvGrpSpPr/>
+      <p:pic>
+        <p:nvPicPr>
+          <p:cNvPr id="25" name="Picture 3"/>
+          <p:cNvPicPr>
+            <a:picLocks noChangeAspect="1" noChangeArrowheads="1"/>
+          </p:cNvPicPr>
           <p:nvPr/>
-        </p:nvGrpSpPr>
-        <p:grpSpPr>
-          <a:xfrm>
-            <a:off x="-129181" y="1403648"/>
-            <a:ext cx="6874149" cy="2448272"/>
-            <a:chOff x="-129181" y="1403648"/>
-            <a:chExt cx="6874149" cy="2448272"/>
-          </a:xfrm>
-        </p:grpSpPr>
-        <p:pic>
-          <p:nvPicPr>
-            <p:cNvPr id="25" name="Picture 3"/>
-            <p:cNvPicPr>
-              <a:picLocks noChangeAspect="1" noChangeArrowheads="1"/>
-            </p:cNvPicPr>
-            <p:nvPr/>
-          </p:nvPicPr>
-          <p:blipFill>
-            <a:blip r:embed="rId2" cstate="print">
-              <a:extLst>
-                <a:ext uri="{28A0092B-C50C-407E-A947-70E740481C1C}">
-                  <a14:useLocalDpi xmlns:a14="http://schemas.microsoft.com/office/drawing/2010/main" val="0"/>
-                </a:ext>
-              </a:extLst>
-            </a:blip>
-            <a:srcRect/>
-            <a:stretch>
-              <a:fillRect/>
-            </a:stretch>
-          </p:blipFill>
-          <p:spPr bwMode="auto">
-            <a:xfrm>
-              <a:off x="4795217" y="1581597"/>
-              <a:ext cx="1906790" cy="1995686"/>
-            </a:xfrm>
-            <a:prstGeom prst="rect">
-              <a:avLst/>
-            </a:prstGeom>
-            <a:noFill/>
-            <a:ln>
-              <a:noFill/>
-            </a:ln>
+        </p:nvPicPr>
+        <p:blipFill>
+          <a:blip r:embed="rId2" cstate="print">
             <a:extLst>
-              <a:ext uri="{909E8E84-426E-40DD-AFC4-6F175D3DCCD1}">
-                <a14:hiddenFill xmlns:a14="http://schemas.microsoft.com/office/drawing/2010/main">
-                  <a:solidFill>
-                    <a:schemeClr val="accent1"/>
-                  </a:solidFill>
-                </a14:hiddenFill>
-              </a:ext>
-              <a:ext uri="{91240B29-F687-4F45-9708-019B960494DF}">
-                <a14:hiddenLine xmlns:a14="http://schemas.microsoft.com/office/drawing/2010/main" w="9525">
-                  <a:solidFill>
-                    <a:schemeClr val="tx1"/>
-                  </a:solidFill>
-                  <a:miter lim="800000"/>
-                  <a:headEnd/>
-                  <a:tailEnd/>
-                </a14:hiddenLine>
+              <a:ext uri="{28A0092B-C50C-407E-A947-70E740481C1C}">
+                <a14:useLocalDpi xmlns:a14="http://schemas.microsoft.com/office/drawing/2010/main" val="0"/>
               </a:ext>
             </a:extLst>
-          </p:spPr>
-        </p:pic>
-        <p:sp>
-          <p:nvSpPr>
-            <p:cNvPr id="29" name="タイトル 1"/>
-            <p:cNvSpPr txBox="1">
-              <a:spLocks/>
-            </p:cNvSpPr>
-            <p:nvPr/>
-          </p:nvSpPr>
-          <p:spPr>
-            <a:xfrm>
-              <a:off x="-129181" y="1439340"/>
-              <a:ext cx="2147412" cy="540372"/>
-            </a:xfrm>
-            <a:prstGeom prst="rect">
-              <a:avLst/>
-            </a:prstGeom>
-          </p:spPr>
-          <p:txBody>
-            <a:bodyPr vert="horz" lIns="95773" tIns="47887" rIns="95773" bIns="47887" rtlCol="0" anchor="ctr">
-              <a:normAutofit/>
-            </a:bodyPr>
-            <a:lstStyle>
-              <a:lvl1pPr algn="ctr" defTabSz="2952323" rtl="0" eaLnBrk="1" latinLnBrk="0" hangingPunct="1">
-                <a:spcBef>
-                  <a:spcPct val="0"/>
-                </a:spcBef>
-                <a:buNone/>
-                <a:defRPr kumimoji="1" sz="14200" kern="1200">
-                  <a:solidFill>
-                    <a:schemeClr val="tx1"/>
-                  </a:solidFill>
-                  <a:latin typeface="+mj-lt"/>
-                  <a:ea typeface="+mj-ea"/>
-                  <a:cs typeface="+mj-cs"/>
-                </a:defRPr>
-              </a:lvl1pPr>
-            </a:lstStyle>
-            <a:p>
-              <a:r>
-                <a:rPr lang="ja-JP" altLang="en-US" sz="1800" dirty="0" smtClean="0"/>
-                <a:t>研究</a:t>
-              </a:r>
-              <a:r>
-                <a:rPr lang="ja-JP" altLang="en-US" sz="1800" dirty="0"/>
-                <a:t>背景</a:t>
-              </a:r>
-            </a:p>
-          </p:txBody>
-        </p:sp>
-        <p:sp>
-          <p:nvSpPr>
-            <p:cNvPr id="35" name="角丸四角形 34"/>
-            <p:cNvSpPr/>
-            <p:nvPr/>
-          </p:nvSpPr>
-          <p:spPr>
-            <a:xfrm>
-              <a:off x="215870" y="1403648"/>
-              <a:ext cx="6529098" cy="2448272"/>
-            </a:xfrm>
-            <a:prstGeom prst="roundRect">
-              <a:avLst/>
-            </a:prstGeom>
+          </a:blip>
+          <a:srcRect/>
+          <a:stretch>
+            <a:fillRect/>
+          </a:stretch>
+        </p:blipFill>
+        <p:spPr bwMode="auto">
+          <a:xfrm>
+            <a:off x="5464065" y="1691621"/>
+            <a:ext cx="1280902" cy="1401959"/>
+          </a:xfrm>
+          <a:prstGeom prst="rect">
+            <a:avLst/>
+          </a:prstGeom>
+          <a:noFill/>
+          <a:ln>
             <a:noFill/>
-            <a:effectLst>
-              <a:outerShdw blurRad="50800" dist="38100" dir="2700000" algn="tl" rotWithShape="0">
-                <a:prstClr val="black">
-                  <a:alpha val="40000"/>
-                </a:prstClr>
-              </a:outerShdw>
-            </a:effectLst>
-          </p:spPr>
-          <p:style>
-            <a:lnRef idx="2">
-              <a:schemeClr val="dk1"/>
-            </a:lnRef>
-            <a:fillRef idx="1">
-              <a:schemeClr val="lt1"/>
-            </a:fillRef>
-            <a:effectRef idx="0">
-              <a:schemeClr val="dk1"/>
-            </a:effectRef>
-            <a:fontRef idx="minor">
-              <a:schemeClr val="dk1"/>
-            </a:fontRef>
-          </p:style>
-          <p:txBody>
-            <a:bodyPr lIns="29663" tIns="14832" rIns="29663" bIns="14832" spcCol="0" rtlCol="0" anchor="ctr"/>
-            <a:lstStyle/>
-            <a:p>
-              <a:pPr algn="ctr"/>
-              <a:endParaRPr kumimoji="1" lang="ja-JP" altLang="en-US" dirty="0"/>
-            </a:p>
-          </p:txBody>
-        </p:sp>
-        <p:pic>
-          <p:nvPicPr>
-            <p:cNvPr id="1026" name="Picture 2" descr="クリックすると新しいウィンドウで開きます"/>
-            <p:cNvPicPr>
-              <a:picLocks noChangeAspect="1" noChangeArrowheads="1"/>
-            </p:cNvPicPr>
-            <p:nvPr/>
-          </p:nvPicPr>
-          <p:blipFill>
-            <a:blip r:embed="rId3">
-              <a:extLst>
-                <a:ext uri="{28A0092B-C50C-407E-A947-70E740481C1C}">
-                  <a14:useLocalDpi xmlns:a14="http://schemas.microsoft.com/office/drawing/2010/main" val="0"/>
-                </a:ext>
-              </a:extLst>
-            </a:blip>
-            <a:srcRect/>
-            <a:stretch>
-              <a:fillRect/>
-            </a:stretch>
-          </p:blipFill>
-          <p:spPr bwMode="auto">
-            <a:xfrm>
-              <a:off x="3284436" y="2339752"/>
-              <a:ext cx="1798605" cy="1368374"/>
-            </a:xfrm>
-            <a:prstGeom prst="rect">
-              <a:avLst/>
-            </a:prstGeom>
-            <a:noFill/>
+          </a:ln>
+          <a:extLst>
+            <a:ext uri="{909E8E84-426E-40DD-AFC4-6F175D3DCCD1}">
+              <a14:hiddenFill xmlns:a14="http://schemas.microsoft.com/office/drawing/2010/main">
+                <a:solidFill>
+                  <a:schemeClr val="accent1"/>
+                </a:solidFill>
+              </a14:hiddenFill>
+            </a:ext>
+            <a:ext uri="{91240B29-F687-4F45-9708-019B960494DF}">
+              <a14:hiddenLine xmlns:a14="http://schemas.microsoft.com/office/drawing/2010/main" w="9525">
+                <a:solidFill>
+                  <a:schemeClr val="tx1"/>
+                </a:solidFill>
+                <a:miter lim="800000"/>
+                <a:headEnd/>
+                <a:tailEnd/>
+              </a14:hiddenLine>
+            </a:ext>
+          </a:extLst>
+        </p:spPr>
+      </p:pic>
+      <p:sp>
+        <p:nvSpPr>
+          <p:cNvPr id="29" name="タイトル 1"/>
+          <p:cNvSpPr txBox="1">
+            <a:spLocks/>
+          </p:cNvSpPr>
+          <p:nvPr/>
+        </p:nvSpPr>
+        <p:spPr>
+          <a:xfrm>
+            <a:off x="296851" y="1285524"/>
+            <a:ext cx="1202888" cy="746985"/>
+          </a:xfrm>
+          <a:prstGeom prst="rect">
+            <a:avLst/>
+          </a:prstGeom>
+        </p:spPr>
+        <p:txBody>
+          <a:bodyPr vert="horz" lIns="95773" tIns="47887" rIns="95773" bIns="47887" rtlCol="0" anchor="ctr">
+            <a:normAutofit/>
+          </a:bodyPr>
+          <a:lstStyle>
+            <a:lvl1pPr algn="ctr" defTabSz="2952323" rtl="0" eaLnBrk="1" latinLnBrk="0" hangingPunct="1">
+              <a:spcBef>
+                <a:spcPct val="0"/>
+              </a:spcBef>
+              <a:buNone/>
+              <a:defRPr kumimoji="1" sz="14200" kern="1200">
+                <a:solidFill>
+                  <a:schemeClr val="tx1"/>
+                </a:solidFill>
+                <a:latin typeface="+mj-lt"/>
+                <a:ea typeface="+mj-ea"/>
+                <a:cs typeface="+mj-cs"/>
+              </a:defRPr>
+            </a:lvl1pPr>
+          </a:lstStyle>
+          <a:p>
+            <a:pPr algn="l"/>
+            <a:r>
+              <a:rPr lang="ja-JP" altLang="en-US" sz="1800" dirty="0" smtClean="0"/>
+              <a:t>研究</a:t>
+            </a:r>
+            <a:r>
+              <a:rPr lang="ja-JP" altLang="en-US" sz="1800" dirty="0"/>
+              <a:t>背景</a:t>
+            </a:r>
+          </a:p>
+        </p:txBody>
+      </p:sp>
+      <p:sp>
+        <p:nvSpPr>
+          <p:cNvPr id="35" name="角丸四角形 34"/>
+          <p:cNvSpPr/>
+          <p:nvPr/>
+        </p:nvSpPr>
+        <p:spPr>
+          <a:xfrm>
+            <a:off x="116632" y="1295369"/>
+            <a:ext cx="6628336" cy="3492657"/>
+          </a:xfrm>
+          <a:prstGeom prst="roundRect">
+            <a:avLst/>
+          </a:prstGeom>
+          <a:noFill/>
+          <a:effectLst>
+            <a:outerShdw blurRad="50800" dist="38100" dir="2700000" algn="tl" rotWithShape="0">
+              <a:prstClr val="black">
+                <a:alpha val="40000"/>
+              </a:prstClr>
+            </a:outerShdw>
+          </a:effectLst>
+        </p:spPr>
+        <p:style>
+          <a:lnRef idx="2">
+            <a:schemeClr val="dk1"/>
+          </a:lnRef>
+          <a:fillRef idx="1">
+            <a:schemeClr val="lt1"/>
+          </a:fillRef>
+          <a:effectRef idx="0">
+            <a:schemeClr val="dk1"/>
+          </a:effectRef>
+          <a:fontRef idx="minor">
+            <a:schemeClr val="dk1"/>
+          </a:fontRef>
+        </p:style>
+        <p:txBody>
+          <a:bodyPr lIns="29663" tIns="14832" rIns="29663" bIns="14832" spcCol="0" rtlCol="0" anchor="ctr"/>
+          <a:lstStyle/>
+          <a:p>
+            <a:pPr algn="ctr"/>
+            <a:endParaRPr kumimoji="1" lang="ja-JP" altLang="en-US" dirty="0"/>
+          </a:p>
+        </p:txBody>
+      </p:sp>
+      <p:pic>
+        <p:nvPicPr>
+          <p:cNvPr id="1026" name="Picture 2" descr="クリックすると新しいウィンドウで開きます"/>
+          <p:cNvPicPr>
+            <a:picLocks noChangeAspect="1" noChangeArrowheads="1"/>
+          </p:cNvPicPr>
+          <p:nvPr/>
+        </p:nvPicPr>
+        <p:blipFill>
+          <a:blip r:embed="rId3">
             <a:extLst>
-              <a:ext uri="{909E8E84-426E-40DD-AFC4-6F175D3DCCD1}">
-                <a14:hiddenFill xmlns:a14="http://schemas.microsoft.com/office/drawing/2010/main">
-                  <a:solidFill>
-                    <a:srgbClr val="FFFFFF"/>
-                  </a:solidFill>
-                </a14:hiddenFill>
+              <a:ext uri="{28A0092B-C50C-407E-A947-70E740481C1C}">
+                <a14:useLocalDpi xmlns:a14="http://schemas.microsoft.com/office/drawing/2010/main" val="0"/>
               </a:ext>
             </a:extLst>
-          </p:spPr>
-        </p:pic>
-        <p:sp>
-          <p:nvSpPr>
-            <p:cNvPr id="2" name="テキスト ボックス 1"/>
-            <p:cNvSpPr txBox="1"/>
-            <p:nvPr/>
-          </p:nvSpPr>
-          <p:spPr>
-            <a:xfrm>
-              <a:off x="421860" y="1990288"/>
-              <a:ext cx="3768245" cy="1569660"/>
-            </a:xfrm>
-            <a:prstGeom prst="rect">
-              <a:avLst/>
-            </a:prstGeom>
-            <a:noFill/>
-          </p:spPr>
-          <p:txBody>
-            <a:bodyPr wrap="square" rtlCol="0">
-              <a:spAutoFit/>
-            </a:bodyPr>
-            <a:lstStyle/>
-            <a:p>
-              <a:r>
-                <a:rPr kumimoji="1" lang="ja-JP" altLang="en-US" sz="1600" dirty="0" smtClean="0"/>
-                <a:t>教育の場面で</a:t>
-              </a:r>
-              <a:endParaRPr kumimoji="1" lang="en-US" altLang="ja-JP" sz="1600" dirty="0" smtClean="0"/>
-            </a:p>
-            <a:p>
-              <a:r>
-                <a:rPr lang="ja-JP" altLang="en-US" sz="1600" dirty="0" smtClean="0"/>
-                <a:t>タブレットが注目を浴びている．</a:t>
-              </a:r>
-              <a:endParaRPr lang="en-US" altLang="ja-JP" sz="1600" dirty="0" smtClean="0"/>
-            </a:p>
-            <a:p>
-              <a:endParaRPr lang="en-US" altLang="ja-JP" sz="1600" dirty="0" smtClean="0"/>
-            </a:p>
-            <a:p>
-              <a:endParaRPr lang="en-US" altLang="ja-JP" sz="1600" dirty="0"/>
-            </a:p>
-            <a:p>
-              <a:r>
-                <a:rPr lang="ja-JP" altLang="en-US" sz="1600" dirty="0" smtClean="0"/>
-                <a:t>学生に貸与している学校も</a:t>
-              </a:r>
-              <a:r>
-                <a:rPr lang="en-US" altLang="ja-JP" sz="1600" dirty="0" smtClean="0"/>
-                <a:t>…</a:t>
-              </a:r>
-            </a:p>
-            <a:p>
-              <a:r>
-                <a:rPr lang="ja-JP" altLang="en-US" sz="1600" dirty="0" smtClean="0"/>
-                <a:t>千葉工業大学もその１つ！！</a:t>
-              </a:r>
-            </a:p>
-          </p:txBody>
-        </p:sp>
-      </p:grpSp>
+          </a:blip>
+          <a:srcRect/>
+          <a:stretch>
+            <a:fillRect/>
+          </a:stretch>
+        </p:blipFill>
+        <p:spPr bwMode="auto">
+          <a:xfrm>
+            <a:off x="5065151" y="3305257"/>
+            <a:ext cx="1479869" cy="1289747"/>
+          </a:xfrm>
+          <a:prstGeom prst="rect">
+            <a:avLst/>
+          </a:prstGeom>
+          <a:noFill/>
+          <a:extLst>
+            <a:ext uri="{909E8E84-426E-40DD-AFC4-6F175D3DCCD1}">
+              <a14:hiddenFill xmlns:a14="http://schemas.microsoft.com/office/drawing/2010/main">
+                <a:solidFill>
+                  <a:srgbClr val="FFFFFF"/>
+                </a:solidFill>
+              </a14:hiddenFill>
+            </a:ext>
+          </a:extLst>
+        </p:spPr>
+      </p:pic>
+      <p:sp>
+        <p:nvSpPr>
+          <p:cNvPr id="2" name="テキスト ボックス 1"/>
+          <p:cNvSpPr txBox="1"/>
+          <p:nvPr/>
+        </p:nvSpPr>
+        <p:spPr>
+          <a:xfrm>
+            <a:off x="425362" y="1843318"/>
+            <a:ext cx="4117309" cy="2923877"/>
+          </a:xfrm>
+          <a:prstGeom prst="rect">
+            <a:avLst/>
+          </a:prstGeom>
+          <a:noFill/>
+        </p:spPr>
+        <p:txBody>
+          <a:bodyPr wrap="square" rtlCol="0">
+            <a:spAutoFit/>
+          </a:bodyPr>
+          <a:lstStyle/>
+          <a:p>
+            <a:r>
+              <a:rPr lang="ja-JP" altLang="en-US" sz="1400" dirty="0"/>
+              <a:t>教育の場面でタブレットが注目を浴びている</a:t>
+            </a:r>
+            <a:r>
+              <a:rPr lang="ja-JP" altLang="en-US" sz="1400" dirty="0" smtClean="0"/>
+              <a:t>．</a:t>
+            </a:r>
+            <a:endParaRPr lang="en-US" altLang="ja-JP" sz="1400" dirty="0" smtClean="0"/>
+          </a:p>
+          <a:p>
+            <a:endParaRPr lang="ja-JP" altLang="en-US" sz="1400" dirty="0"/>
+          </a:p>
+          <a:p>
+            <a:endParaRPr lang="en-US" altLang="ja-JP" sz="1200" dirty="0" smtClean="0"/>
+          </a:p>
+          <a:p>
+            <a:endParaRPr lang="en-US" altLang="ja-JP" sz="1200" dirty="0"/>
+          </a:p>
+          <a:p>
+            <a:endParaRPr lang="en-US" altLang="ja-JP" sz="1200" dirty="0" smtClean="0"/>
+          </a:p>
+          <a:p>
+            <a:endParaRPr lang="en-US" altLang="ja-JP" sz="1200" dirty="0"/>
+          </a:p>
+          <a:p>
+            <a:endParaRPr lang="en-US" altLang="ja-JP" sz="1200" dirty="0" smtClean="0"/>
+          </a:p>
+          <a:p>
+            <a:endParaRPr lang="en-US" altLang="ja-JP" sz="1200" dirty="0"/>
+          </a:p>
+          <a:p>
+            <a:endParaRPr lang="en-US" altLang="ja-JP" sz="1200" dirty="0" smtClean="0"/>
+          </a:p>
+          <a:p>
+            <a:endParaRPr lang="en-US" altLang="ja-JP" sz="1200" dirty="0"/>
+          </a:p>
+          <a:p>
+            <a:endParaRPr lang="en-US" altLang="ja-JP" sz="1200" dirty="0" smtClean="0"/>
+          </a:p>
+          <a:p>
+            <a:endParaRPr lang="en-US" altLang="ja-JP" sz="1200" dirty="0" smtClean="0"/>
+          </a:p>
+          <a:p>
+            <a:endParaRPr lang="en-US" altLang="ja-JP" sz="1200" dirty="0"/>
+          </a:p>
+          <a:p>
+            <a:r>
+              <a:rPr lang="ja-JP" altLang="en-US" sz="1200" dirty="0" smtClean="0"/>
+              <a:t>学生に貸与している学校</a:t>
+            </a:r>
+            <a:r>
+              <a:rPr lang="ja-JP" altLang="en-US" sz="1200" dirty="0" smtClean="0"/>
+              <a:t>も数多く存在するが</a:t>
+            </a:r>
+            <a:endParaRPr lang="en-US" altLang="ja-JP" sz="1200" dirty="0" smtClean="0"/>
+          </a:p>
+          <a:p>
+            <a:r>
+              <a:rPr lang="ja-JP" altLang="en-US" sz="1200" dirty="0" smtClean="0"/>
+              <a:t>千葉工業大学もその１つ！！</a:t>
+            </a:r>
+          </a:p>
+        </p:txBody>
+      </p:sp>
       <p:cxnSp>
         <p:nvCxnSpPr>
           <p:cNvPr id="36" name="直線コネクタ 35"/>
@@ -4464,8 +4478,8 @@
         </p:nvCxnSpPr>
         <p:spPr>
           <a:xfrm>
-            <a:off x="4509120" y="3851920"/>
-            <a:ext cx="72008" cy="78553"/>
+            <a:off x="5517232" y="4788026"/>
+            <a:ext cx="76510" cy="95588"/>
           </a:xfrm>
           <a:prstGeom prst="line">
             <a:avLst/>
@@ -4499,10 +4513,10 @@
         </p:nvGrpSpPr>
         <p:grpSpPr>
           <a:xfrm>
-            <a:off x="-122207" y="7094448"/>
-            <a:ext cx="4124359" cy="1942047"/>
-            <a:chOff x="-132770" y="6049083"/>
-            <a:chExt cx="4178859" cy="1835285"/>
+            <a:off x="116633" y="7508869"/>
+            <a:ext cx="3885520" cy="1527623"/>
+            <a:chOff x="115872" y="6074400"/>
+            <a:chExt cx="3930218" cy="1809967"/>
           </a:xfrm>
         </p:grpSpPr>
         <p:grpSp>
@@ -4513,10 +4527,10 @@
           </p:nvGrpSpPr>
           <p:grpSpPr>
             <a:xfrm>
-              <a:off x="-132770" y="6049083"/>
-              <a:ext cx="4178859" cy="1835285"/>
-              <a:chOff x="-132734" y="5694919"/>
-              <a:chExt cx="4137799" cy="2117441"/>
+              <a:off x="115872" y="6074400"/>
+              <a:ext cx="3930218" cy="1809967"/>
+              <a:chOff x="113465" y="5724129"/>
+              <a:chExt cx="3891601" cy="2088231"/>
             </a:xfrm>
           </p:grpSpPr>
           <p:sp>
@@ -4527,8 +4541,8 @@
             </p:nvSpPr>
             <p:spPr>
               <a:xfrm>
-                <a:off x="215873" y="5724128"/>
-                <a:ext cx="3789192" cy="2088232"/>
+                <a:off x="113465" y="5724129"/>
+                <a:ext cx="3891601" cy="2088231"/>
               </a:xfrm>
               <a:prstGeom prst="roundRect">
                 <a:avLst/>
@@ -4575,8 +4589,8 @@
             </p:nvSpPr>
             <p:spPr>
               <a:xfrm>
-                <a:off x="-132734" y="5694919"/>
-                <a:ext cx="2147412" cy="636044"/>
+                <a:off x="293965" y="5725157"/>
+                <a:ext cx="1073706" cy="636042"/>
               </a:xfrm>
               <a:prstGeom prst="rect">
                 <a:avLst/>
@@ -4584,7 +4598,7 @@
             </p:spPr>
             <p:txBody>
               <a:bodyPr vert="horz" lIns="95773" tIns="47887" rIns="95773" bIns="47887" rtlCol="0" anchor="ctr">
-                <a:normAutofit/>
+                <a:normAutofit fontScale="92500"/>
               </a:bodyPr>
               <a:lstStyle>
                 <a:lvl1pPr algn="ctr" defTabSz="2952323" rtl="0" eaLnBrk="1" latinLnBrk="0" hangingPunct="1">
@@ -4603,6 +4617,7 @@
                 </a:lvl1pPr>
               </a:lstStyle>
               <a:p>
+                <a:pPr algn="l"/>
                 <a:r>
                   <a:rPr lang="ja-JP" altLang="en-US" sz="1800" dirty="0" smtClean="0"/>
                   <a:t>研究</a:t>
@@ -4624,7 +4639,7 @@
           <p:spPr>
             <a:xfrm>
               <a:off x="415432" y="6495620"/>
-              <a:ext cx="3467614" cy="1384995"/>
+              <a:ext cx="3467614" cy="1312782"/>
             </a:xfrm>
             <a:prstGeom prst="rect">
               <a:avLst/>
@@ -4638,85 +4653,85 @@
             <a:lstStyle/>
             <a:p>
               <a:r>
-                <a:rPr kumimoji="1" lang="ja-JP" altLang="en-US" sz="1400" dirty="0" smtClean="0"/>
+                <a:rPr kumimoji="1" lang="ja-JP" altLang="en-US" sz="1100" dirty="0" smtClean="0"/>
                 <a:t>①アンケートを設計し実施</a:t>
               </a:r>
-              <a:endParaRPr kumimoji="1" lang="en-US" altLang="ja-JP" sz="1400" dirty="0" smtClean="0"/>
+              <a:endParaRPr kumimoji="1" lang="en-US" altLang="ja-JP" sz="1100" dirty="0" smtClean="0"/>
             </a:p>
             <a:p>
               <a:r>
-                <a:rPr lang="ja-JP" altLang="en-US" sz="1400" dirty="0" smtClean="0"/>
+                <a:rPr lang="ja-JP" altLang="en-US" sz="1100" dirty="0" smtClean="0"/>
                 <a:t>②アンケート</a:t>
               </a:r>
               <a:r>
-                <a:rPr lang="ja-JP" altLang="en-US" sz="1400" dirty="0"/>
+                <a:rPr lang="ja-JP" altLang="en-US" sz="1100" dirty="0"/>
                 <a:t>の分析方法を</a:t>
               </a:r>
               <a:r>
-                <a:rPr lang="ja-JP" altLang="en-US" sz="1400" dirty="0" smtClean="0"/>
+                <a:rPr lang="ja-JP" altLang="en-US" sz="1100" dirty="0" smtClean="0"/>
                 <a:t>開発</a:t>
               </a:r>
-              <a:endParaRPr lang="en-US" altLang="ja-JP" sz="1400" dirty="0" smtClean="0"/>
+              <a:endParaRPr lang="en-US" altLang="ja-JP" sz="1100" dirty="0" smtClean="0"/>
             </a:p>
             <a:p>
               <a:r>
-                <a:rPr lang="ja-JP" altLang="en-US" sz="1400" dirty="0"/>
+                <a:rPr lang="ja-JP" altLang="en-US" sz="1100" dirty="0"/>
                 <a:t>③収集したデータを</a:t>
               </a:r>
               <a:r>
-                <a:rPr lang="ja-JP" altLang="en-US" sz="1400" dirty="0" smtClean="0"/>
+                <a:rPr lang="ja-JP" altLang="en-US" sz="1100" dirty="0" smtClean="0"/>
                 <a:t>分析</a:t>
               </a:r>
-              <a:endParaRPr lang="en-US" altLang="ja-JP" sz="1400" dirty="0" smtClean="0"/>
+              <a:endParaRPr lang="en-US" altLang="ja-JP" sz="1100" dirty="0" smtClean="0"/>
             </a:p>
             <a:p>
-              <a:endParaRPr lang="en-US" altLang="ja-JP" sz="1400" dirty="0" smtClean="0"/>
+              <a:endParaRPr lang="en-US" altLang="ja-JP" sz="1100" dirty="0" smtClean="0"/>
             </a:p>
             <a:p>
               <a:r>
-                <a:rPr lang="ja-JP" altLang="en-US" sz="1400" dirty="0" smtClean="0"/>
+                <a:rPr lang="ja-JP" altLang="en-US" sz="1100" dirty="0" smtClean="0"/>
                 <a:t>活用</a:t>
               </a:r>
               <a:r>
-                <a:rPr lang="ja-JP" altLang="en-US" sz="1400" dirty="0"/>
+                <a:rPr lang="ja-JP" altLang="en-US" sz="1100" dirty="0"/>
                 <a:t>している学生</a:t>
               </a:r>
               <a:r>
-                <a:rPr lang="ja-JP" altLang="en-US" sz="1400" dirty="0" smtClean="0"/>
+                <a:rPr lang="ja-JP" altLang="en-US" sz="1100" dirty="0" smtClean="0"/>
                 <a:t>と</a:t>
               </a:r>
-              <a:endParaRPr lang="en-US" altLang="ja-JP" sz="1400" dirty="0" smtClean="0"/>
+              <a:endParaRPr lang="en-US" altLang="ja-JP" sz="1100" dirty="0" smtClean="0"/>
             </a:p>
             <a:p>
               <a:r>
-                <a:rPr lang="ja-JP" altLang="en-US" sz="1400" dirty="0" smtClean="0"/>
+                <a:rPr lang="ja-JP" altLang="en-US" sz="1100" dirty="0" smtClean="0"/>
                 <a:t>活用</a:t>
               </a:r>
               <a:r>
-                <a:rPr lang="ja-JP" altLang="en-US" sz="1400" dirty="0"/>
+                <a:rPr lang="ja-JP" altLang="en-US" sz="1100" dirty="0"/>
                 <a:t>して</a:t>
               </a:r>
               <a:r>
-                <a:rPr lang="ja-JP" altLang="en-US" sz="1400" dirty="0" smtClean="0"/>
+                <a:rPr lang="ja-JP" altLang="en-US" sz="1100" dirty="0" smtClean="0"/>
                 <a:t>いない</a:t>
               </a:r>
               <a:r>
-                <a:rPr lang="ja-JP" altLang="en-US" sz="1200" dirty="0"/>
+                <a:rPr lang="ja-JP" altLang="en-US" sz="1100" dirty="0"/>
                 <a:t>学生</a:t>
               </a:r>
               <a:r>
-                <a:rPr lang="ja-JP" altLang="en-US" sz="1400" dirty="0" smtClean="0"/>
+                <a:rPr lang="ja-JP" altLang="en-US" sz="1100" dirty="0" smtClean="0"/>
                 <a:t>の</a:t>
               </a:r>
               <a:r>
-                <a:rPr lang="ja-JP" altLang="en-US" sz="1400" dirty="0"/>
+                <a:rPr lang="ja-JP" altLang="en-US" sz="1100" dirty="0"/>
                 <a:t>差を明らか</a:t>
               </a:r>
               <a:r>
-                <a:rPr lang="ja-JP" altLang="en-US" sz="1400" dirty="0" smtClean="0"/>
+                <a:rPr lang="ja-JP" altLang="en-US" sz="1100" dirty="0" smtClean="0"/>
                 <a:t>に！</a:t>
               </a:r>
-              <a:endParaRPr kumimoji="1" lang="ja-JP" altLang="en-US" sz="1400" dirty="0"/>
+              <a:endParaRPr kumimoji="1" lang="ja-JP" altLang="en-US" sz="1100" dirty="0"/>
             </a:p>
           </p:txBody>
         </p:sp>
@@ -4729,10 +4744,10 @@
         </p:nvGrpSpPr>
         <p:grpSpPr>
           <a:xfrm>
-            <a:off x="-129180" y="3923928"/>
-            <a:ext cx="6893410" cy="3096344"/>
-            <a:chOff x="-129180" y="3923928"/>
-            <a:chExt cx="6893410" cy="2072075"/>
+            <a:off x="116632" y="4883614"/>
+            <a:ext cx="6640409" cy="2521178"/>
+            <a:chOff x="79379" y="3923928"/>
+            <a:chExt cx="6640409" cy="2072075"/>
           </a:xfrm>
         </p:grpSpPr>
         <p:grpSp>
@@ -4743,10 +4758,10 @@
           </p:nvGrpSpPr>
           <p:grpSpPr>
             <a:xfrm>
-              <a:off x="-129180" y="3923928"/>
-              <a:ext cx="6893410" cy="2072075"/>
-              <a:chOff x="-129181" y="3990231"/>
-              <a:chExt cx="6952385" cy="1805905"/>
+              <a:off x="79379" y="3923928"/>
+              <a:ext cx="6640409" cy="2072075"/>
+              <a:chOff x="81162" y="3990231"/>
+              <a:chExt cx="6697220" cy="1805905"/>
             </a:xfrm>
           </p:grpSpPr>
           <p:sp>
@@ -4757,8 +4772,8 @@
             </p:nvSpPr>
             <p:spPr>
               <a:xfrm>
-                <a:off x="215872" y="3995935"/>
-                <a:ext cx="6607332" cy="1800201"/>
+                <a:off x="81162" y="3995935"/>
+                <a:ext cx="6697220" cy="1800201"/>
               </a:xfrm>
               <a:prstGeom prst="roundRect">
                 <a:avLst/>
@@ -4805,8 +4820,8 @@
             </p:nvSpPr>
             <p:spPr>
               <a:xfrm>
-                <a:off x="-129181" y="3990231"/>
-                <a:ext cx="2147412" cy="509761"/>
+                <a:off x="262923" y="3990231"/>
+                <a:ext cx="1270720" cy="509761"/>
               </a:xfrm>
               <a:prstGeom prst="rect">
                 <a:avLst/>
@@ -4833,6 +4848,7 @@
                 </a:lvl1pPr>
               </a:lstStyle>
               <a:p>
+                <a:pPr algn="l"/>
                 <a:r>
                   <a:rPr lang="ja-JP" altLang="en-US" sz="1800" dirty="0" smtClean="0"/>
                   <a:t>研究目的</a:t>
@@ -4885,7 +4901,7 @@
             <a:p>
               <a:pPr algn="ctr"/>
               <a:r>
-                <a:rPr lang="ja-JP" altLang="en-US" sz="1400" dirty="0" smtClean="0">
+                <a:rPr lang="ja-JP" altLang="en-US" sz="1200" dirty="0" smtClean="0">
                   <a:solidFill>
                     <a:schemeClr val="tx1"/>
                   </a:solidFill>
@@ -4893,7 +4909,7 @@
                 <a:t>どの</a:t>
               </a:r>
               <a:r>
-                <a:rPr lang="ja-JP" altLang="en-US" sz="1400" dirty="0">
+                <a:rPr lang="ja-JP" altLang="en-US" sz="1200" dirty="0">
                   <a:solidFill>
                     <a:schemeClr val="tx1"/>
                   </a:solidFill>
@@ -4904,7 +4920,7 @@
             <a:p>
               <a:pPr algn="ctr"/>
               <a:r>
-                <a:rPr lang="ja-JP" altLang="en-US" sz="1400" dirty="0" smtClean="0">
+                <a:rPr lang="ja-JP" altLang="en-US" sz="1200" dirty="0" smtClean="0">
                   <a:solidFill>
                     <a:schemeClr val="tx1"/>
                   </a:solidFill>
@@ -4912,7 +4928,7 @@
                 <a:t>活用</a:t>
               </a:r>
               <a:r>
-                <a:rPr lang="ja-JP" altLang="en-US" sz="1400" dirty="0">
+                <a:rPr lang="ja-JP" altLang="en-US" sz="1200" dirty="0">
                   <a:solidFill>
                     <a:schemeClr val="tx1"/>
                   </a:solidFill>
@@ -4920,14 +4936,14 @@
                 <a:t>している学生と活用していない学生で</a:t>
               </a:r>
               <a:r>
-                <a:rPr lang="ja-JP" altLang="en-US" sz="1400" dirty="0" smtClean="0">
+                <a:rPr lang="ja-JP" altLang="en-US" sz="1200" dirty="0" smtClean="0">
                   <a:solidFill>
                     <a:schemeClr val="tx1"/>
                   </a:solidFill>
                 </a:rPr>
                 <a:t>は</a:t>
               </a:r>
-              <a:endParaRPr lang="en-US" altLang="ja-JP" sz="1400" dirty="0" smtClean="0">
+              <a:endParaRPr lang="en-US" altLang="ja-JP" sz="1200" dirty="0" smtClean="0">
                 <a:solidFill>
                   <a:schemeClr val="tx1"/>
                 </a:solidFill>
@@ -4936,7 +4952,7 @@
             <a:p>
               <a:pPr algn="ctr"/>
               <a:r>
-                <a:rPr lang="ja-JP" altLang="en-US" sz="1400" dirty="0" smtClean="0">
+                <a:rPr lang="ja-JP" altLang="en-US" sz="1200" dirty="0" smtClean="0">
                   <a:solidFill>
                     <a:schemeClr val="tx1"/>
                   </a:solidFill>
@@ -4944,7 +4960,7 @@
                 <a:t>どの</a:t>
               </a:r>
               <a:r>
-                <a:rPr lang="ja-JP" altLang="en-US" sz="1400" dirty="0">
+                <a:rPr lang="ja-JP" altLang="en-US" sz="1200" dirty="0">
                   <a:solidFill>
                     <a:schemeClr val="tx1"/>
                   </a:solidFill>
@@ -4952,14 +4968,14 @@
                 <a:t>ような差があるのか</a:t>
               </a:r>
               <a:r>
-                <a:rPr lang="ja-JP" altLang="en-US" sz="1400" dirty="0" smtClean="0">
+                <a:rPr lang="ja-JP" altLang="en-US" sz="1200" dirty="0" smtClean="0">
                   <a:solidFill>
                     <a:schemeClr val="tx1"/>
                   </a:solidFill>
                 </a:rPr>
                 <a:t>？</a:t>
               </a:r>
-              <a:endParaRPr lang="ja-JP" altLang="en-US" sz="1400" dirty="0">
+              <a:endParaRPr lang="ja-JP" altLang="en-US" sz="1200" dirty="0">
                 <a:solidFill>
                   <a:schemeClr val="tx1"/>
                 </a:solidFill>
@@ -5017,7 +5033,7 @@
           <p:spPr>
             <a:xfrm>
               <a:off x="1484784" y="4878037"/>
-              <a:ext cx="5054262" cy="432525"/>
+              <a:ext cx="5054262" cy="480608"/>
             </a:xfrm>
             <a:prstGeom prst="rect">
               <a:avLst/>
@@ -5032,18 +5048,18 @@
             <a:p>
               <a:pPr algn="ctr"/>
               <a:r>
-                <a:rPr kumimoji="1" lang="ja-JP" altLang="en-US" dirty="0" smtClean="0"/>
+                <a:rPr kumimoji="1" lang="ja-JP" altLang="en-US" sz="1600" dirty="0" smtClean="0"/>
                 <a:t>学生にアンケートを行い，</a:t>
               </a:r>
-              <a:endParaRPr kumimoji="1" lang="en-US" altLang="ja-JP" dirty="0" smtClean="0"/>
+              <a:endParaRPr kumimoji="1" lang="en-US" altLang="ja-JP" sz="1600" dirty="0" smtClean="0"/>
             </a:p>
             <a:p>
               <a:pPr algn="ctr"/>
               <a:r>
-                <a:rPr kumimoji="1" lang="ja-JP" altLang="en-US" dirty="0" smtClean="0"/>
+                <a:rPr kumimoji="1" lang="ja-JP" altLang="en-US" sz="1600" dirty="0" smtClean="0"/>
                 <a:t>結果から調査！！</a:t>
               </a:r>
-              <a:endParaRPr kumimoji="1" lang="ja-JP" altLang="en-US" dirty="0"/>
+              <a:endParaRPr kumimoji="1" lang="ja-JP" altLang="en-US" sz="1600" dirty="0"/>
             </a:p>
           </p:txBody>
         </p:sp>
@@ -5070,8 +5086,8 @@
           </p:blipFill>
           <p:spPr bwMode="auto">
             <a:xfrm>
-              <a:off x="345938" y="4490677"/>
-              <a:ext cx="1080965" cy="945121"/>
+              <a:off x="374662" y="4756032"/>
+              <a:ext cx="949534" cy="945121"/>
             </a:xfrm>
             <a:prstGeom prst="rect">
               <a:avLst/>
@@ -5097,13 +5113,13 @@
         </p:nvCxnSpPr>
         <p:spPr>
           <a:xfrm>
-            <a:off x="2005295" y="7204756"/>
-            <a:ext cx="0" cy="192195"/>
+            <a:off x="1135063" y="8404920"/>
+            <a:ext cx="0" cy="186067"/>
           </a:xfrm>
           <a:prstGeom prst="straightConnector1">
             <a:avLst/>
           </a:prstGeom>
-          <a:ln w="22225">
+          <a:ln w="12700">
             <a:solidFill>
               <a:schemeClr val="tx1"/>
             </a:solidFill>
@@ -5133,8 +5149,8 @@
         </p:nvSpPr>
         <p:spPr>
           <a:xfrm>
-            <a:off x="1506951" y="6084168"/>
-            <a:ext cx="5258936" cy="738664"/>
+            <a:off x="1506951" y="6608206"/>
+            <a:ext cx="5258936" cy="646331"/>
           </a:xfrm>
           <a:prstGeom prst="rect">
             <a:avLst/>
@@ -5148,27 +5164,963 @@
           <a:lstStyle/>
           <a:p>
             <a:r>
-              <a:rPr lang="ja-JP" altLang="en-US" sz="1400" dirty="0" smtClean="0"/>
+              <a:rPr lang="ja-JP" altLang="en-US" sz="1200" dirty="0" smtClean="0"/>
               <a:t>レポートをタブレットで書いてる人の方が成績が良い．</a:t>
             </a:r>
-            <a:endParaRPr lang="en-US" altLang="ja-JP" sz="1400" dirty="0" smtClean="0"/>
-          </a:p>
-          <a:p>
-            <a:r>
-              <a:rPr lang="ja-JP" altLang="en-US" sz="1400" dirty="0" smtClean="0"/>
+            <a:endParaRPr lang="en-US" altLang="ja-JP" sz="1200" dirty="0" smtClean="0"/>
+          </a:p>
+          <a:p>
+            <a:r>
+              <a:rPr lang="ja-JP" altLang="en-US" sz="1200" dirty="0" smtClean="0"/>
               <a:t>アプリをたくさんインストールしている人の方が，実は成績が良い．</a:t>
             </a:r>
-            <a:endParaRPr lang="en-US" altLang="ja-JP" sz="1400" dirty="0" smtClean="0"/>
-          </a:p>
-          <a:p>
-            <a:r>
-              <a:rPr kumimoji="1" lang="ja-JP" altLang="en-US" sz="1400" dirty="0" smtClean="0"/>
+            <a:endParaRPr lang="en-US" altLang="ja-JP" sz="1200" dirty="0" smtClean="0"/>
+          </a:p>
+          <a:p>
+            <a:r>
+              <a:rPr kumimoji="1" lang="ja-JP" altLang="en-US" sz="1200" dirty="0" smtClean="0"/>
               <a:t>こんな結果が出るかも！？</a:t>
             </a:r>
-            <a:endParaRPr kumimoji="1" lang="ja-JP" altLang="en-US" sz="1400" dirty="0"/>
-          </a:p>
-        </p:txBody>
-      </p:sp>
+            <a:endParaRPr kumimoji="1" lang="ja-JP" altLang="en-US" sz="1200" dirty="0"/>
+          </a:p>
+        </p:txBody>
+      </p:sp>
+      <p:graphicFrame>
+        <p:nvGraphicFramePr>
+          <p:cNvPr id="59" name="表 58"/>
+          <p:cNvGraphicFramePr>
+            <a:graphicFrameLocks noGrp="1"/>
+          </p:cNvGraphicFramePr>
+          <p:nvPr>
+            <p:extLst>
+              <p:ext uri="{D42A27DB-BD31-4B8C-83A1-F6EECF244321}">
+                <p14:modId xmlns:p14="http://schemas.microsoft.com/office/powerpoint/2010/main" val="3996978586"/>
+              </p:ext>
+            </p:extLst>
+          </p:nvPr>
+        </p:nvGraphicFramePr>
+        <p:xfrm>
+          <a:off x="412786" y="2195736"/>
+          <a:ext cx="4452182" cy="1985794"/>
+        </p:xfrm>
+        <a:graphic>
+          <a:graphicData uri="http://schemas.openxmlformats.org/drawingml/2006/table">
+            <a:tbl>
+              <a:tblPr firstRow="1" bandRow="1">
+                <a:tableStyleId>{5C22544A-7EE6-4342-B048-85BDC9FD1C3A}</a:tableStyleId>
+              </a:tblPr>
+              <a:tblGrid>
+                <a:gridCol w="898412"/>
+                <a:gridCol w="3553770"/>
+              </a:tblGrid>
+              <a:tr h="274174">
+                <a:tc>
+                  <a:txBody>
+                    <a:bodyPr/>
+                    <a:lstStyle/>
+                    <a:p>
+                      <a:pPr algn="ctr">
+                        <a:spcAft>
+                          <a:spcPts val="0"/>
+                        </a:spcAft>
+                      </a:pPr>
+                      <a:r>
+                        <a:rPr lang="ja-JP" sz="1050" kern="100" dirty="0">
+                          <a:effectLst/>
+                          <a:latin typeface="Times New Roman"/>
+                          <a:ea typeface="ＭＳ 明朝"/>
+                          <a:cs typeface="Times New Roman"/>
+                        </a:rPr>
+                        <a:t>自治体</a:t>
+                      </a:r>
+                      <a:endParaRPr lang="ja-JP" sz="1050" kern="100" dirty="0">
+                        <a:effectLst/>
+                        <a:latin typeface="Century"/>
+                        <a:ea typeface="ＭＳ 明朝"/>
+                        <a:cs typeface="Times New Roman"/>
+                      </a:endParaRPr>
+                    </a:p>
+                  </a:txBody>
+                  <a:tcPr marL="68580" marR="68580" marT="0" marB="0"/>
+                </a:tc>
+                <a:tc>
+                  <a:txBody>
+                    <a:bodyPr/>
+                    <a:lstStyle/>
+                    <a:p>
+                      <a:pPr algn="ctr">
+                        <a:spcAft>
+                          <a:spcPts val="0"/>
+                        </a:spcAft>
+                      </a:pPr>
+                      <a:r>
+                        <a:rPr lang="ja-JP" sz="1050" kern="100" dirty="0">
+                          <a:effectLst/>
+                          <a:latin typeface="Times New Roman"/>
+                          <a:ea typeface="ＭＳ 明朝"/>
+                          <a:cs typeface="Times New Roman"/>
+                        </a:rPr>
+                        <a:t>概要</a:t>
+                      </a:r>
+                      <a:endParaRPr lang="ja-JP" sz="1050" kern="100" dirty="0">
+                        <a:effectLst/>
+                        <a:latin typeface="Century"/>
+                        <a:ea typeface="ＭＳ 明朝"/>
+                        <a:cs typeface="Times New Roman"/>
+                      </a:endParaRPr>
+                    </a:p>
+                  </a:txBody>
+                  <a:tcPr marL="68580" marR="68580" marT="0" marB="0"/>
+                </a:tc>
+              </a:tr>
+              <a:tr h="280925">
+                <a:tc>
+                  <a:txBody>
+                    <a:bodyPr/>
+                    <a:lstStyle/>
+                    <a:p>
+                      <a:pPr algn="just">
+                        <a:spcAft>
+                          <a:spcPts val="0"/>
+                        </a:spcAft>
+                      </a:pPr>
+                      <a:r>
+                        <a:rPr lang="ja-JP" sz="900" kern="100" dirty="0">
+                          <a:effectLst/>
+                          <a:latin typeface="Times New Roman"/>
+                          <a:ea typeface="ＭＳ 明朝"/>
+                          <a:cs typeface="Times New Roman"/>
+                        </a:rPr>
+                        <a:t>千葉県印西市</a:t>
+                      </a:r>
+                      <a:endParaRPr lang="ja-JP" sz="900" kern="100" dirty="0">
+                        <a:effectLst/>
+                        <a:latin typeface="Century"/>
+                        <a:ea typeface="ＭＳ 明朝"/>
+                        <a:cs typeface="Times New Roman"/>
+                      </a:endParaRPr>
+                    </a:p>
+                  </a:txBody>
+                  <a:tcPr marL="68580" marR="68580" marT="0" marB="0"/>
+                </a:tc>
+                <a:tc>
+                  <a:txBody>
+                    <a:bodyPr/>
+                    <a:lstStyle/>
+                    <a:p>
+                      <a:pPr algn="just">
+                        <a:spcAft>
+                          <a:spcPts val="0"/>
+                        </a:spcAft>
+                      </a:pPr>
+                      <a:r>
+                        <a:rPr lang="ja-JP" sz="900" kern="100" dirty="0">
+                          <a:effectLst/>
+                          <a:latin typeface="Times New Roman"/>
+                          <a:ea typeface="ＭＳ 明朝"/>
+                          <a:cs typeface="Times New Roman"/>
+                        </a:rPr>
+                        <a:t>平成</a:t>
+                      </a:r>
+                      <a:r>
+                        <a:rPr lang="en-US" sz="900" kern="100" dirty="0">
+                          <a:effectLst/>
+                          <a:latin typeface="Times New Roman"/>
+                          <a:ea typeface="ＭＳ 明朝"/>
+                          <a:cs typeface="Times New Roman"/>
+                        </a:rPr>
+                        <a:t>25</a:t>
+                      </a:r>
+                      <a:r>
+                        <a:rPr lang="ja-JP" sz="900" kern="100" dirty="0" smtClean="0">
+                          <a:effectLst/>
+                          <a:latin typeface="Times New Roman"/>
+                          <a:ea typeface="ＭＳ 明朝"/>
+                          <a:cs typeface="Times New Roman"/>
+                        </a:rPr>
+                        <a:t>年</a:t>
+                      </a:r>
+                      <a:r>
+                        <a:rPr lang="ja-JP" altLang="en-US" sz="900" kern="100" dirty="0" smtClean="0">
+                          <a:effectLst/>
+                          <a:latin typeface="Times New Roman"/>
+                          <a:ea typeface="ＭＳ 明朝"/>
+                          <a:cs typeface="Times New Roman"/>
+                        </a:rPr>
+                        <a:t>，</a:t>
+                      </a:r>
+                      <a:r>
+                        <a:rPr lang="ja-JP" sz="900" kern="100" dirty="0" smtClean="0">
+                          <a:effectLst/>
+                          <a:latin typeface="Times New Roman"/>
+                          <a:ea typeface="ＭＳ 明朝"/>
+                          <a:cs typeface="Times New Roman"/>
+                        </a:rPr>
+                        <a:t>市内</a:t>
+                      </a:r>
+                      <a:r>
+                        <a:rPr lang="ja-JP" sz="900" kern="100" dirty="0">
+                          <a:effectLst/>
+                          <a:latin typeface="Times New Roman"/>
+                          <a:ea typeface="ＭＳ 明朝"/>
+                          <a:cs typeface="Times New Roman"/>
+                        </a:rPr>
+                        <a:t>の中学校</a:t>
+                      </a:r>
+                      <a:r>
+                        <a:rPr lang="en-US" sz="900" kern="100" dirty="0">
+                          <a:effectLst/>
+                          <a:latin typeface="Times New Roman"/>
+                          <a:ea typeface="ＭＳ 明朝"/>
+                          <a:cs typeface="Times New Roman"/>
+                        </a:rPr>
+                        <a:t>6</a:t>
+                      </a:r>
+                      <a:r>
+                        <a:rPr lang="ja-JP" sz="900" kern="100" dirty="0">
+                          <a:effectLst/>
+                          <a:latin typeface="Times New Roman"/>
+                          <a:ea typeface="ＭＳ 明朝"/>
+                          <a:cs typeface="Times New Roman"/>
+                        </a:rPr>
+                        <a:t>校にタブレット</a:t>
+                      </a:r>
+                      <a:r>
+                        <a:rPr lang="en-US" sz="900" kern="100" dirty="0">
+                          <a:effectLst/>
+                          <a:latin typeface="Times New Roman"/>
+                          <a:ea typeface="ＭＳ 明朝"/>
+                          <a:cs typeface="Times New Roman"/>
+                        </a:rPr>
+                        <a:t>PC246</a:t>
+                      </a:r>
+                      <a:r>
+                        <a:rPr lang="ja-JP" sz="900" kern="100" dirty="0">
+                          <a:effectLst/>
+                          <a:latin typeface="Times New Roman"/>
+                          <a:ea typeface="ＭＳ 明朝"/>
+                          <a:cs typeface="Times New Roman"/>
+                        </a:rPr>
+                        <a:t>台（各校に</a:t>
+                      </a:r>
+                      <a:r>
+                        <a:rPr lang="en-US" sz="900" kern="100" dirty="0">
+                          <a:effectLst/>
+                          <a:latin typeface="Times New Roman"/>
+                          <a:ea typeface="ＭＳ 明朝"/>
+                          <a:cs typeface="Times New Roman"/>
+                        </a:rPr>
+                        <a:t>41</a:t>
+                      </a:r>
+                      <a:r>
+                        <a:rPr lang="ja-JP" sz="900" kern="100" dirty="0">
+                          <a:effectLst/>
+                          <a:latin typeface="Times New Roman"/>
+                          <a:ea typeface="ＭＳ 明朝"/>
+                          <a:cs typeface="Times New Roman"/>
+                        </a:rPr>
+                        <a:t>台）を配備．</a:t>
+                      </a:r>
+                      <a:endParaRPr lang="ja-JP" sz="900" kern="100" dirty="0">
+                        <a:effectLst/>
+                        <a:latin typeface="Century"/>
+                        <a:ea typeface="ＭＳ 明朝"/>
+                        <a:cs typeface="Times New Roman"/>
+                      </a:endParaRPr>
+                    </a:p>
+                  </a:txBody>
+                  <a:tcPr marL="68580" marR="68580" marT="0" marB="0"/>
+                </a:tc>
+              </a:tr>
+              <a:tr h="274534">
+                <a:tc>
+                  <a:txBody>
+                    <a:bodyPr/>
+                    <a:lstStyle/>
+                    <a:p>
+                      <a:pPr algn="just">
+                        <a:spcAft>
+                          <a:spcPts val="0"/>
+                        </a:spcAft>
+                      </a:pPr>
+                      <a:r>
+                        <a:rPr lang="ja-JP" sz="900" kern="100" dirty="0">
+                          <a:effectLst/>
+                          <a:latin typeface="Times New Roman"/>
+                          <a:ea typeface="ＭＳ 明朝"/>
+                          <a:cs typeface="Times New Roman"/>
+                        </a:rPr>
+                        <a:t>東京都荒川区</a:t>
+                      </a:r>
+                      <a:endParaRPr lang="ja-JP" sz="900" kern="100" dirty="0">
+                        <a:effectLst/>
+                        <a:latin typeface="Century"/>
+                        <a:ea typeface="ＭＳ 明朝"/>
+                        <a:cs typeface="Times New Roman"/>
+                      </a:endParaRPr>
+                    </a:p>
+                  </a:txBody>
+                  <a:tcPr marL="68580" marR="68580" marT="0" marB="0"/>
+                </a:tc>
+                <a:tc>
+                  <a:txBody>
+                    <a:bodyPr/>
+                    <a:lstStyle/>
+                    <a:p>
+                      <a:pPr algn="just">
+                        <a:spcAft>
+                          <a:spcPts val="0"/>
+                        </a:spcAft>
+                      </a:pPr>
+                      <a:r>
+                        <a:rPr lang="ja-JP" sz="900" kern="100" dirty="0">
+                          <a:effectLst/>
+                          <a:latin typeface="Times New Roman"/>
+                          <a:ea typeface="ＭＳ 明朝"/>
+                          <a:cs typeface="Times New Roman"/>
+                        </a:rPr>
+                        <a:t>平成</a:t>
+                      </a:r>
+                      <a:r>
+                        <a:rPr lang="en-US" sz="900" kern="100" dirty="0">
+                          <a:effectLst/>
+                          <a:latin typeface="Times New Roman"/>
+                          <a:ea typeface="ＭＳ 明朝"/>
+                          <a:cs typeface="Times New Roman"/>
+                        </a:rPr>
+                        <a:t>25</a:t>
+                      </a:r>
+                      <a:r>
+                        <a:rPr lang="ja-JP" sz="900" kern="100" dirty="0">
+                          <a:effectLst/>
+                          <a:latin typeface="Times New Roman"/>
+                          <a:ea typeface="ＭＳ 明朝"/>
+                          <a:cs typeface="Times New Roman"/>
+                        </a:rPr>
+                        <a:t>年度に小中学校４校に対して約</a:t>
+                      </a:r>
+                      <a:r>
+                        <a:rPr lang="en-US" sz="900" kern="100" dirty="0">
+                          <a:effectLst/>
+                          <a:latin typeface="Times New Roman"/>
+                          <a:ea typeface="ＭＳ 明朝"/>
+                          <a:cs typeface="Times New Roman"/>
+                        </a:rPr>
+                        <a:t>1200</a:t>
+                      </a:r>
+                      <a:r>
+                        <a:rPr lang="ja-JP" sz="900" kern="100" dirty="0">
+                          <a:effectLst/>
+                          <a:latin typeface="Times New Roman"/>
+                          <a:ea typeface="ＭＳ 明朝"/>
+                          <a:cs typeface="Times New Roman"/>
+                        </a:rPr>
+                        <a:t>台のタブレット</a:t>
+                      </a:r>
+                      <a:r>
+                        <a:rPr lang="en-US" sz="900" kern="100" dirty="0">
+                          <a:effectLst/>
+                          <a:latin typeface="Times New Roman"/>
+                          <a:ea typeface="ＭＳ 明朝"/>
+                          <a:cs typeface="Times New Roman"/>
+                        </a:rPr>
+                        <a:t>PC</a:t>
+                      </a:r>
+                      <a:r>
+                        <a:rPr lang="ja-JP" sz="900" kern="100" dirty="0">
+                          <a:effectLst/>
+                          <a:latin typeface="Times New Roman"/>
+                          <a:ea typeface="ＭＳ 明朝"/>
+                          <a:cs typeface="Times New Roman"/>
+                        </a:rPr>
+                        <a:t>を配備し，児童生徒</a:t>
+                      </a:r>
+                      <a:r>
+                        <a:rPr lang="en-US" sz="900" kern="100" dirty="0">
+                          <a:effectLst/>
+                          <a:latin typeface="Times New Roman"/>
+                          <a:ea typeface="ＭＳ 明朝"/>
+                          <a:cs typeface="Times New Roman"/>
+                        </a:rPr>
+                        <a:t>1</a:t>
+                      </a:r>
+                      <a:r>
+                        <a:rPr lang="ja-JP" sz="900" kern="100" dirty="0">
+                          <a:effectLst/>
+                          <a:latin typeface="Times New Roman"/>
+                          <a:ea typeface="ＭＳ 明朝"/>
+                          <a:cs typeface="Times New Roman"/>
+                        </a:rPr>
+                        <a:t>人</a:t>
+                      </a:r>
+                      <a:r>
+                        <a:rPr lang="en-US" sz="900" kern="100" dirty="0">
+                          <a:effectLst/>
+                          <a:latin typeface="Times New Roman"/>
+                          <a:ea typeface="ＭＳ 明朝"/>
+                          <a:cs typeface="Times New Roman"/>
+                        </a:rPr>
+                        <a:t>1</a:t>
+                      </a:r>
+                      <a:r>
+                        <a:rPr lang="ja-JP" sz="900" kern="100" dirty="0">
+                          <a:effectLst/>
+                          <a:latin typeface="Times New Roman"/>
+                          <a:ea typeface="ＭＳ 明朝"/>
+                          <a:cs typeface="Times New Roman"/>
+                        </a:rPr>
+                        <a:t>台環境における実証研究を実施</a:t>
+                      </a:r>
+                      <a:r>
+                        <a:rPr lang="ja-JP" sz="900" kern="100" dirty="0" smtClean="0">
+                          <a:effectLst/>
+                          <a:latin typeface="Times New Roman"/>
+                          <a:ea typeface="ＭＳ 明朝"/>
+                          <a:cs typeface="Times New Roman"/>
+                        </a:rPr>
+                        <a:t>．</a:t>
+                      </a:r>
+                      <a:endParaRPr lang="ja-JP" sz="900" kern="100" dirty="0">
+                        <a:effectLst/>
+                        <a:latin typeface="Century"/>
+                        <a:ea typeface="ＭＳ 明朝"/>
+                        <a:cs typeface="Times New Roman"/>
+                      </a:endParaRPr>
+                    </a:p>
+                  </a:txBody>
+                  <a:tcPr marL="68580" marR="68580" marT="0" marB="0"/>
+                </a:tc>
+              </a:tr>
+              <a:tr h="280925">
+                <a:tc>
+                  <a:txBody>
+                    <a:bodyPr/>
+                    <a:lstStyle/>
+                    <a:p>
+                      <a:pPr algn="just">
+                        <a:spcAft>
+                          <a:spcPts val="0"/>
+                        </a:spcAft>
+                      </a:pPr>
+                      <a:r>
+                        <a:rPr lang="ja-JP" sz="900" kern="100" dirty="0">
+                          <a:effectLst/>
+                          <a:latin typeface="Times New Roman"/>
+                          <a:ea typeface="ＭＳ 明朝"/>
+                          <a:cs typeface="Times New Roman"/>
+                        </a:rPr>
+                        <a:t>東京都狛江市</a:t>
+                      </a:r>
+                      <a:endParaRPr lang="ja-JP" sz="900" kern="100" dirty="0">
+                        <a:effectLst/>
+                        <a:latin typeface="Century"/>
+                        <a:ea typeface="ＭＳ 明朝"/>
+                        <a:cs typeface="Times New Roman"/>
+                      </a:endParaRPr>
+                    </a:p>
+                  </a:txBody>
+                  <a:tcPr marL="68580" marR="68580" marT="0" marB="0"/>
+                </a:tc>
+                <a:tc>
+                  <a:txBody>
+                    <a:bodyPr/>
+                    <a:lstStyle/>
+                    <a:p>
+                      <a:pPr algn="just">
+                        <a:spcAft>
+                          <a:spcPts val="0"/>
+                        </a:spcAft>
+                      </a:pPr>
+                      <a:r>
+                        <a:rPr lang="ja-JP" sz="900" kern="100" dirty="0">
+                          <a:effectLst/>
+                          <a:latin typeface="Times New Roman"/>
+                          <a:ea typeface="ＭＳ 明朝"/>
+                          <a:cs typeface="Times New Roman"/>
+                        </a:rPr>
+                        <a:t>平成</a:t>
+                      </a:r>
+                      <a:r>
+                        <a:rPr lang="en-US" sz="900" kern="100" dirty="0">
+                          <a:effectLst/>
+                          <a:latin typeface="Times New Roman"/>
+                          <a:ea typeface="ＭＳ 明朝"/>
+                          <a:cs typeface="Times New Roman"/>
+                        </a:rPr>
+                        <a:t>25</a:t>
+                      </a:r>
+                      <a:r>
+                        <a:rPr lang="ja-JP" sz="900" kern="100" dirty="0">
+                          <a:effectLst/>
+                          <a:latin typeface="Times New Roman"/>
+                          <a:ea typeface="ＭＳ 明朝"/>
+                          <a:cs typeface="Times New Roman"/>
+                        </a:rPr>
+                        <a:t>年度に，市内の小学校全</a:t>
+                      </a:r>
+                      <a:r>
+                        <a:rPr lang="en-US" sz="900" kern="100" dirty="0">
+                          <a:effectLst/>
+                          <a:latin typeface="Times New Roman"/>
+                          <a:ea typeface="ＭＳ 明朝"/>
+                          <a:cs typeface="Times New Roman"/>
+                        </a:rPr>
+                        <a:t>6</a:t>
+                      </a:r>
+                      <a:r>
+                        <a:rPr lang="ja-JP" sz="900" kern="100" dirty="0">
+                          <a:effectLst/>
+                          <a:latin typeface="Times New Roman"/>
+                          <a:ea typeface="ＭＳ 明朝"/>
+                          <a:cs typeface="Times New Roman"/>
+                        </a:rPr>
+                        <a:t>校にタブレット</a:t>
+                      </a:r>
+                      <a:r>
+                        <a:rPr lang="en-US" sz="900" kern="100" dirty="0">
+                          <a:effectLst/>
+                          <a:latin typeface="Times New Roman"/>
+                          <a:ea typeface="ＭＳ 明朝"/>
+                          <a:cs typeface="Times New Roman"/>
+                        </a:rPr>
+                        <a:t>PC266</a:t>
+                      </a:r>
+                      <a:r>
+                        <a:rPr lang="ja-JP" sz="900" kern="100" dirty="0">
+                          <a:effectLst/>
+                          <a:latin typeface="Times New Roman"/>
+                          <a:ea typeface="ＭＳ 明朝"/>
+                          <a:cs typeface="Times New Roman"/>
+                        </a:rPr>
+                        <a:t>台（各校に</a:t>
+                      </a:r>
+                      <a:r>
+                        <a:rPr lang="en-US" sz="900" kern="100" dirty="0">
+                          <a:effectLst/>
+                          <a:latin typeface="Times New Roman"/>
+                          <a:ea typeface="ＭＳ 明朝"/>
+                          <a:cs typeface="Times New Roman"/>
+                        </a:rPr>
+                        <a:t>41</a:t>
+                      </a:r>
+                      <a:r>
+                        <a:rPr lang="ja-JP" sz="900" kern="100" dirty="0">
+                          <a:effectLst/>
+                          <a:latin typeface="Times New Roman"/>
+                          <a:ea typeface="ＭＳ 明朝"/>
+                          <a:cs typeface="Times New Roman"/>
+                        </a:rPr>
+                        <a:t>台）を配備．</a:t>
+                      </a:r>
+                      <a:endParaRPr lang="ja-JP" sz="900" kern="100" dirty="0">
+                        <a:effectLst/>
+                        <a:latin typeface="Century"/>
+                        <a:ea typeface="ＭＳ 明朝"/>
+                        <a:cs typeface="Times New Roman"/>
+                      </a:endParaRPr>
+                    </a:p>
+                  </a:txBody>
+                  <a:tcPr marL="68580" marR="68580" marT="0" marB="0"/>
+                </a:tc>
+              </a:tr>
+              <a:tr h="437618">
+                <a:tc>
+                  <a:txBody>
+                    <a:bodyPr/>
+                    <a:lstStyle/>
+                    <a:p>
+                      <a:pPr algn="just">
+                        <a:spcAft>
+                          <a:spcPts val="0"/>
+                        </a:spcAft>
+                      </a:pPr>
+                      <a:r>
+                        <a:rPr lang="ja-JP" sz="900" kern="100" dirty="0">
+                          <a:effectLst/>
+                          <a:latin typeface="Times New Roman"/>
+                          <a:ea typeface="ＭＳ 明朝"/>
+                          <a:cs typeface="Times New Roman"/>
+                        </a:rPr>
+                        <a:t>大阪府大阪市</a:t>
+                      </a:r>
+                      <a:endParaRPr lang="ja-JP" sz="900" kern="100" dirty="0">
+                        <a:effectLst/>
+                        <a:latin typeface="Century"/>
+                        <a:ea typeface="ＭＳ 明朝"/>
+                        <a:cs typeface="Times New Roman"/>
+                      </a:endParaRPr>
+                    </a:p>
+                  </a:txBody>
+                  <a:tcPr marL="68580" marR="68580" marT="0" marB="0"/>
+                </a:tc>
+                <a:tc>
+                  <a:txBody>
+                    <a:bodyPr/>
+                    <a:lstStyle/>
+                    <a:p>
+                      <a:pPr algn="just">
+                        <a:spcAft>
+                          <a:spcPts val="0"/>
+                        </a:spcAft>
+                      </a:pPr>
+                      <a:r>
+                        <a:rPr lang="ja-JP" sz="900" kern="100" dirty="0">
+                          <a:effectLst/>
+                          <a:latin typeface="Times New Roman"/>
+                          <a:ea typeface="ＭＳ 明朝"/>
+                          <a:cs typeface="Times New Roman"/>
+                        </a:rPr>
+                        <a:t>平成</a:t>
+                      </a:r>
+                      <a:r>
+                        <a:rPr lang="en-US" sz="900" kern="100" dirty="0">
+                          <a:effectLst/>
+                          <a:latin typeface="Times New Roman"/>
+                          <a:ea typeface="ＭＳ 明朝"/>
+                          <a:cs typeface="Times New Roman"/>
+                        </a:rPr>
+                        <a:t>25</a:t>
+                      </a:r>
+                      <a:r>
+                        <a:rPr lang="ja-JP" sz="900" kern="100" dirty="0">
+                          <a:effectLst/>
+                          <a:latin typeface="Times New Roman"/>
+                          <a:ea typeface="ＭＳ 明朝"/>
+                          <a:cs typeface="Times New Roman"/>
+                        </a:rPr>
+                        <a:t>年度から，小中学校</a:t>
+                      </a:r>
+                      <a:r>
+                        <a:rPr lang="en-US" sz="900" kern="100" dirty="0">
+                          <a:effectLst/>
+                          <a:latin typeface="Times New Roman"/>
+                          <a:ea typeface="ＭＳ 明朝"/>
+                          <a:cs typeface="Times New Roman"/>
+                        </a:rPr>
+                        <a:t>7</a:t>
+                      </a:r>
+                      <a:r>
+                        <a:rPr lang="ja-JP" sz="900" kern="100" dirty="0">
+                          <a:effectLst/>
+                          <a:latin typeface="Times New Roman"/>
+                          <a:ea typeface="ＭＳ 明朝"/>
+                          <a:cs typeface="Times New Roman"/>
+                        </a:rPr>
+                        <a:t>校に対して，約</a:t>
+                      </a:r>
+                      <a:r>
+                        <a:rPr lang="en-US" sz="900" kern="100" dirty="0">
+                          <a:effectLst/>
+                          <a:latin typeface="Times New Roman"/>
+                          <a:ea typeface="ＭＳ 明朝"/>
+                          <a:cs typeface="Times New Roman"/>
+                        </a:rPr>
+                        <a:t>1400</a:t>
+                      </a:r>
+                      <a:r>
+                        <a:rPr lang="ja-JP" sz="900" kern="100" dirty="0">
+                          <a:effectLst/>
+                          <a:latin typeface="Times New Roman"/>
+                          <a:ea typeface="ＭＳ 明朝"/>
+                          <a:cs typeface="Times New Roman"/>
+                        </a:rPr>
+                        <a:t>台のタブレット</a:t>
+                      </a:r>
+                      <a:r>
+                        <a:rPr lang="en-US" sz="900" kern="100" dirty="0">
+                          <a:effectLst/>
+                          <a:latin typeface="Times New Roman"/>
+                          <a:ea typeface="ＭＳ 明朝"/>
+                          <a:cs typeface="Times New Roman"/>
+                        </a:rPr>
+                        <a:t>PC</a:t>
+                      </a:r>
+                      <a:r>
+                        <a:rPr lang="ja-JP" sz="900" kern="100" dirty="0">
+                          <a:effectLst/>
+                          <a:latin typeface="Times New Roman"/>
+                          <a:ea typeface="ＭＳ 明朝"/>
+                          <a:cs typeface="Times New Roman"/>
+                        </a:rPr>
+                        <a:t>（小学校は</a:t>
+                      </a:r>
+                      <a:r>
+                        <a:rPr lang="en-US" sz="900" kern="100" dirty="0">
+                          <a:effectLst/>
+                          <a:latin typeface="Times New Roman"/>
+                          <a:ea typeface="ＭＳ 明朝"/>
+                          <a:cs typeface="Times New Roman"/>
+                        </a:rPr>
+                        <a:t>1</a:t>
+                      </a:r>
+                      <a:r>
+                        <a:rPr lang="ja-JP" sz="900" kern="100" dirty="0">
+                          <a:effectLst/>
+                          <a:latin typeface="Times New Roman"/>
+                          <a:ea typeface="ＭＳ 明朝"/>
+                          <a:cs typeface="Times New Roman"/>
+                        </a:rPr>
+                        <a:t>校あたり</a:t>
+                      </a:r>
+                      <a:r>
+                        <a:rPr lang="en-US" sz="900" kern="100" dirty="0">
+                          <a:effectLst/>
+                          <a:latin typeface="Times New Roman"/>
+                          <a:ea typeface="ＭＳ 明朝"/>
+                          <a:cs typeface="Times New Roman"/>
+                        </a:rPr>
+                        <a:t>164</a:t>
+                      </a:r>
+                      <a:r>
+                        <a:rPr lang="ja-JP" sz="900" kern="100" dirty="0">
+                          <a:effectLst/>
+                          <a:latin typeface="Times New Roman"/>
+                          <a:ea typeface="ＭＳ 明朝"/>
+                          <a:cs typeface="Times New Roman"/>
+                        </a:rPr>
+                        <a:t>台，中学校は</a:t>
+                      </a:r>
+                      <a:r>
+                        <a:rPr lang="en-US" sz="900" kern="100" dirty="0">
+                          <a:effectLst/>
+                          <a:latin typeface="Times New Roman"/>
+                          <a:ea typeface="ＭＳ 明朝"/>
+                          <a:cs typeface="Times New Roman"/>
+                        </a:rPr>
+                        <a:t>1</a:t>
+                      </a:r>
+                      <a:r>
+                        <a:rPr lang="ja-JP" sz="900" kern="100" dirty="0">
+                          <a:effectLst/>
+                          <a:latin typeface="Times New Roman"/>
+                          <a:ea typeface="ＭＳ 明朝"/>
+                          <a:cs typeface="Times New Roman"/>
+                        </a:rPr>
+                        <a:t>校あたり</a:t>
+                      </a:r>
+                      <a:r>
+                        <a:rPr lang="en-US" sz="900" kern="100" dirty="0">
+                          <a:effectLst/>
+                          <a:latin typeface="Times New Roman"/>
+                          <a:ea typeface="ＭＳ 明朝"/>
+                          <a:cs typeface="Times New Roman"/>
+                        </a:rPr>
+                        <a:t>246</a:t>
+                      </a:r>
+                      <a:r>
+                        <a:rPr lang="ja-JP" sz="900" kern="100" dirty="0">
+                          <a:effectLst/>
+                          <a:latin typeface="Times New Roman"/>
+                          <a:ea typeface="ＭＳ 明朝"/>
+                          <a:cs typeface="Times New Roman"/>
+                        </a:rPr>
+                        <a:t>台）を</a:t>
+                      </a:r>
+                      <a:r>
+                        <a:rPr lang="ja-JP" sz="900" kern="100" dirty="0" smtClean="0">
+                          <a:effectLst/>
+                          <a:latin typeface="Times New Roman"/>
+                          <a:ea typeface="ＭＳ 明朝"/>
+                          <a:cs typeface="Times New Roman"/>
+                        </a:rPr>
+                        <a:t>配備</a:t>
+                      </a:r>
+                      <a:endParaRPr lang="ja-JP" sz="900" kern="100" dirty="0">
+                        <a:effectLst/>
+                        <a:latin typeface="Century"/>
+                        <a:ea typeface="ＭＳ 明朝"/>
+                        <a:cs typeface="Times New Roman"/>
+                      </a:endParaRPr>
+                    </a:p>
+                  </a:txBody>
+                  <a:tcPr marL="68580" marR="68580" marT="0" marB="0"/>
+                </a:tc>
+              </a:tr>
+              <a:tr h="437618">
+                <a:tc>
+                  <a:txBody>
+                    <a:bodyPr/>
+                    <a:lstStyle/>
+                    <a:p>
+                      <a:pPr algn="just">
+                        <a:spcAft>
+                          <a:spcPts val="0"/>
+                        </a:spcAft>
+                      </a:pPr>
+                      <a:r>
+                        <a:rPr lang="ja-JP" sz="900" kern="100" dirty="0">
+                          <a:effectLst/>
+                          <a:latin typeface="Times New Roman"/>
+                          <a:ea typeface="ＭＳ 明朝"/>
+                          <a:cs typeface="Times New Roman"/>
+                        </a:rPr>
+                        <a:t>さいたま市立</a:t>
+                      </a:r>
+                      <a:endParaRPr lang="ja-JP" sz="900" kern="100" dirty="0">
+                        <a:effectLst/>
+                        <a:latin typeface="Century"/>
+                        <a:ea typeface="ＭＳ 明朝"/>
+                        <a:cs typeface="Times New Roman"/>
+                      </a:endParaRPr>
+                    </a:p>
+                    <a:p>
+                      <a:pPr algn="just">
+                        <a:spcAft>
+                          <a:spcPts val="0"/>
+                        </a:spcAft>
+                      </a:pPr>
+                      <a:r>
+                        <a:rPr lang="ja-JP" sz="900" kern="100" dirty="0">
+                          <a:effectLst/>
+                          <a:latin typeface="Times New Roman"/>
+                          <a:ea typeface="ＭＳ 明朝"/>
+                          <a:cs typeface="Times New Roman"/>
+                        </a:rPr>
+                        <a:t>浦和中学校</a:t>
+                      </a:r>
+                      <a:endParaRPr lang="ja-JP" sz="900" kern="100" dirty="0">
+                        <a:effectLst/>
+                        <a:latin typeface="Century"/>
+                        <a:ea typeface="ＭＳ 明朝"/>
+                        <a:cs typeface="Times New Roman"/>
+                      </a:endParaRPr>
+                    </a:p>
+                  </a:txBody>
+                  <a:tcPr marL="68580" marR="68580" marT="0" marB="0"/>
+                </a:tc>
+                <a:tc>
+                  <a:txBody>
+                    <a:bodyPr/>
+                    <a:lstStyle/>
+                    <a:p>
+                      <a:pPr algn="just">
+                        <a:spcAft>
+                          <a:spcPts val="0"/>
+                        </a:spcAft>
+                      </a:pPr>
+                      <a:r>
+                        <a:rPr lang="ja-JP" sz="900" kern="100" dirty="0">
+                          <a:effectLst/>
+                          <a:latin typeface="Times New Roman"/>
+                          <a:ea typeface="ＭＳ 明朝"/>
+                          <a:cs typeface="Times New Roman"/>
+                        </a:rPr>
+                        <a:t>平成</a:t>
+                      </a:r>
+                      <a:r>
+                        <a:rPr lang="en-US" sz="900" kern="100" dirty="0">
+                          <a:effectLst/>
+                          <a:latin typeface="Times New Roman"/>
+                          <a:ea typeface="ＭＳ 明朝"/>
+                          <a:cs typeface="Times New Roman"/>
+                        </a:rPr>
+                        <a:t>24</a:t>
+                      </a:r>
+                      <a:r>
+                        <a:rPr lang="ja-JP" sz="900" kern="100" dirty="0">
+                          <a:effectLst/>
+                          <a:latin typeface="Times New Roman"/>
+                          <a:ea typeface="ＭＳ 明朝"/>
+                          <a:cs typeface="Times New Roman"/>
+                        </a:rPr>
+                        <a:t>年度に約</a:t>
+                      </a:r>
+                      <a:r>
+                        <a:rPr lang="en-US" sz="900" kern="100" dirty="0">
+                          <a:effectLst/>
+                          <a:latin typeface="Times New Roman"/>
+                          <a:ea typeface="ＭＳ 明朝"/>
+                          <a:cs typeface="Times New Roman"/>
+                        </a:rPr>
+                        <a:t>240</a:t>
+                      </a:r>
+                      <a:r>
+                        <a:rPr lang="ja-JP" sz="900" kern="100" dirty="0">
+                          <a:effectLst/>
+                          <a:latin typeface="Times New Roman"/>
+                          <a:ea typeface="ＭＳ 明朝"/>
+                          <a:cs typeface="Times New Roman"/>
+                        </a:rPr>
+                        <a:t>台のタブレット</a:t>
+                      </a:r>
+                      <a:r>
+                        <a:rPr lang="en-US" sz="900" kern="100" dirty="0">
+                          <a:effectLst/>
+                          <a:latin typeface="Times New Roman"/>
+                          <a:ea typeface="ＭＳ 明朝"/>
+                          <a:cs typeface="Times New Roman"/>
+                        </a:rPr>
+                        <a:t>PC</a:t>
+                      </a:r>
+                      <a:r>
+                        <a:rPr lang="ja-JP" sz="900" kern="100" dirty="0">
+                          <a:effectLst/>
+                          <a:latin typeface="Times New Roman"/>
+                          <a:ea typeface="ＭＳ 明朝"/>
+                          <a:cs typeface="Times New Roman"/>
+                        </a:rPr>
+                        <a:t>を配備し，生徒</a:t>
+                      </a:r>
+                      <a:r>
+                        <a:rPr lang="en-US" sz="900" kern="100" dirty="0">
+                          <a:effectLst/>
+                          <a:latin typeface="Times New Roman"/>
+                          <a:ea typeface="ＭＳ 明朝"/>
+                          <a:cs typeface="Times New Roman"/>
+                        </a:rPr>
+                        <a:t>1</a:t>
+                      </a:r>
+                      <a:r>
+                        <a:rPr lang="ja-JP" sz="900" kern="100" dirty="0">
+                          <a:effectLst/>
+                          <a:latin typeface="Times New Roman"/>
+                          <a:ea typeface="ＭＳ 明朝"/>
+                          <a:cs typeface="Times New Roman"/>
+                        </a:rPr>
+                        <a:t>人</a:t>
+                      </a:r>
+                      <a:r>
+                        <a:rPr lang="en-US" sz="900" kern="100" dirty="0">
+                          <a:effectLst/>
+                          <a:latin typeface="Times New Roman"/>
+                          <a:ea typeface="ＭＳ 明朝"/>
+                          <a:cs typeface="Times New Roman"/>
+                        </a:rPr>
+                        <a:t>1</a:t>
+                      </a:r>
+                      <a:r>
+                        <a:rPr lang="ja-JP" sz="900" kern="100" dirty="0">
+                          <a:effectLst/>
+                          <a:latin typeface="Times New Roman"/>
+                          <a:ea typeface="ＭＳ 明朝"/>
+                          <a:cs typeface="Times New Roman"/>
+                        </a:rPr>
+                        <a:t>台</a:t>
+                      </a:r>
+                      <a:r>
+                        <a:rPr lang="ja-JP" sz="900" kern="100" dirty="0" smtClean="0">
+                          <a:effectLst/>
+                          <a:latin typeface="Times New Roman"/>
+                          <a:ea typeface="ＭＳ 明朝"/>
+                          <a:cs typeface="Times New Roman"/>
+                        </a:rPr>
+                        <a:t>環境</a:t>
+                      </a:r>
+                      <a:endParaRPr lang="ja-JP" sz="900" kern="100" dirty="0">
+                        <a:effectLst/>
+                        <a:latin typeface="Century"/>
+                        <a:ea typeface="ＭＳ 明朝"/>
+                        <a:cs typeface="Times New Roman"/>
+                      </a:endParaRPr>
+                    </a:p>
+                  </a:txBody>
+                  <a:tcPr marL="68580" marR="68580" marT="0" marB="0"/>
+                </a:tc>
+              </a:tr>
+            </a:tbl>
+          </a:graphicData>
+        </a:graphic>
+      </p:graphicFrame>
     </p:spTree>
     <p:extLst>
       <p:ext uri="{BB962C8B-B14F-4D97-AF65-F5344CB8AC3E}">

--- a/卒業論文/2013/松本併太/卒研中間審査用研究ポスター.pptx
+++ b/卒業論文/2013/松本併太/卒研中間審査用研究ポスター.pptx
@@ -4391,8 +4391,8 @@
         </p:nvSpPr>
         <p:spPr>
           <a:xfrm>
-            <a:off x="425362" y="1843318"/>
-            <a:ext cx="4117309" cy="2923877"/>
+            <a:off x="407960" y="1798764"/>
+            <a:ext cx="4117309" cy="2985433"/>
           </a:xfrm>
           <a:prstGeom prst="rect">
             <a:avLst/>
@@ -4453,18 +4453,14 @@
           </a:p>
           <a:p>
             <a:r>
-              <a:rPr lang="ja-JP" altLang="en-US" sz="1200" dirty="0" smtClean="0"/>
-              <a:t>学生に貸与している学校</a:t>
-            </a:r>
-            <a:r>
-              <a:rPr lang="ja-JP" altLang="en-US" sz="1200" dirty="0" smtClean="0"/>
-              <a:t>も数多く存在するが</a:t>
-            </a:r>
-            <a:endParaRPr lang="en-US" altLang="ja-JP" sz="1200" dirty="0" smtClean="0"/>
-          </a:p>
-          <a:p>
-            <a:r>
-              <a:rPr lang="ja-JP" altLang="en-US" sz="1200" dirty="0" smtClean="0"/>
+              <a:rPr lang="ja-JP" altLang="en-US" sz="1400" dirty="0" smtClean="0"/>
+              <a:t>学生に貸与している学校も数多く存在するが</a:t>
+            </a:r>
+            <a:endParaRPr lang="en-US" altLang="ja-JP" sz="1400" dirty="0" smtClean="0"/>
+          </a:p>
+          <a:p>
+            <a:r>
+              <a:rPr lang="ja-JP" altLang="en-US" sz="1400" dirty="0" smtClean="0"/>
               <a:t>千葉工業大学もその１つ！！</a:t>
             </a:r>
           </a:p>
@@ -5194,14 +5190,14 @@
           <p:nvPr>
             <p:extLst>
               <p:ext uri="{D42A27DB-BD31-4B8C-83A1-F6EECF244321}">
-                <p14:modId xmlns:p14="http://schemas.microsoft.com/office/powerpoint/2010/main" val="3996978586"/>
+                <p14:modId xmlns:p14="http://schemas.microsoft.com/office/powerpoint/2010/main" val="3129120166"/>
               </p:ext>
             </p:extLst>
           </p:nvPr>
         </p:nvGraphicFramePr>
         <p:xfrm>
-          <a:off x="412786" y="2195736"/>
-          <a:ext cx="4452182" cy="1985794"/>
+          <a:off x="477220" y="2123728"/>
+          <a:ext cx="4013591" cy="2154820"/>
         </p:xfrm>
         <a:graphic>
           <a:graphicData uri="http://schemas.openxmlformats.org/drawingml/2006/table">
@@ -5210,10 +5206,12 @@
                 <a:tableStyleId>{5C22544A-7EE6-4342-B048-85BDC9FD1C3A}</a:tableStyleId>
               </a:tblPr>
               <a:tblGrid>
-                <a:gridCol w="898412"/>
-                <a:gridCol w="3553770"/>
+                <a:gridCol w="1074035"/>
+                <a:gridCol w="623514"/>
+                <a:gridCol w="784660"/>
+                <a:gridCol w="1531382"/>
               </a:tblGrid>
-              <a:tr h="274174">
+              <a:tr h="216024">
                 <a:tc>
                   <a:txBody>
                     <a:bodyPr/>
@@ -5225,7 +5223,7 @@
                         </a:spcAft>
                       </a:pPr>
                       <a:r>
-                        <a:rPr lang="ja-JP" sz="1050" kern="100" dirty="0">
+                        <a:rPr lang="ja-JP" sz="900" kern="100" dirty="0" smtClean="0">
                           <a:effectLst/>
                           <a:latin typeface="Times New Roman"/>
                           <a:ea typeface="ＭＳ 明朝"/>
@@ -5233,7 +5231,7 @@
                         </a:rPr>
                         <a:t>自治体</a:t>
                       </a:r>
-                      <a:endParaRPr lang="ja-JP" sz="1050" kern="100" dirty="0">
+                      <a:endParaRPr lang="ja-JP" sz="900" kern="100" dirty="0">
                         <a:effectLst/>
                         <a:latin typeface="Century"/>
                         <a:ea typeface="ＭＳ 明朝"/>
@@ -5254,15 +5252,73 @@
                         </a:spcAft>
                       </a:pPr>
                       <a:r>
-                        <a:rPr lang="ja-JP" sz="1050" kern="100" dirty="0">
+                        <a:rPr lang="ja-JP" altLang="en-US" sz="900" kern="100" dirty="0" smtClean="0">
+                          <a:effectLst/>
+                          <a:latin typeface="Century"/>
+                          <a:ea typeface="ＭＳ 明朝"/>
+                          <a:cs typeface="Times New Roman"/>
+                        </a:rPr>
+                        <a:t>年度</a:t>
+                      </a:r>
+                      <a:endParaRPr lang="ja-JP" sz="900" kern="100" dirty="0">
+                        <a:effectLst/>
+                        <a:latin typeface="Century"/>
+                        <a:ea typeface="ＭＳ 明朝"/>
+                        <a:cs typeface="Times New Roman"/>
+                      </a:endParaRPr>
+                    </a:p>
+                  </a:txBody>
+                  <a:tcPr marL="68580" marR="68580" marT="0" marB="0"/>
+                </a:tc>
+                <a:tc>
+                  <a:txBody>
+                    <a:bodyPr/>
+                    <a:lstStyle/>
+                    <a:p>
+                      <a:pPr algn="ctr">
+                        <a:spcAft>
+                          <a:spcPts val="0"/>
+                        </a:spcAft>
+                      </a:pPr>
+                      <a:r>
+                        <a:rPr lang="ja-JP" altLang="en-US" sz="900" kern="100" dirty="0" smtClean="0">
+                          <a:effectLst/>
+                          <a:latin typeface="Century"/>
+                          <a:ea typeface="ＭＳ 明朝"/>
+                          <a:cs typeface="Times New Roman"/>
+                        </a:rPr>
+                        <a:t>対象</a:t>
+                      </a:r>
+                      <a:endParaRPr lang="ja-JP" sz="900" kern="100" dirty="0">
+                        <a:effectLst/>
+                        <a:latin typeface="Century"/>
+                        <a:ea typeface="ＭＳ 明朝"/>
+                        <a:cs typeface="Times New Roman"/>
+                      </a:endParaRPr>
+                    </a:p>
+                  </a:txBody>
+                  <a:tcPr marL="68580" marR="68580" marT="0" marB="0"/>
+                </a:tc>
+                <a:tc>
+                  <a:txBody>
+                    <a:bodyPr/>
+                    <a:lstStyle/>
+                    <a:p>
+                      <a:pPr algn="ctr">
+                        <a:spcAft>
+                          <a:spcPts val="0"/>
+                        </a:spcAft>
+                      </a:pPr>
+                      <a:r>
+                        <a:rPr lang="ja-JP" altLang="en-US" sz="900" kern="100" dirty="0" smtClean="0">
                           <a:effectLst/>
                           <a:latin typeface="Times New Roman"/>
                           <a:ea typeface="ＭＳ 明朝"/>
                           <a:cs typeface="Times New Roman"/>
                         </a:rPr>
-                        <a:t>概要</a:t>
-                      </a:r>
-                      <a:endParaRPr lang="ja-JP" sz="1050" kern="100" dirty="0">
+                        <a:t>タブレット数</a:t>
+                      </a:r>
+                      <a:endParaRPr lang="ja-JP" sz="900" kern="100" dirty="0">
                         <a:effectLst/>
                         <a:latin typeface="Century"/>
                         <a:ea typeface="ＭＳ 明朝"/>
@@ -5273,7 +5329,7 @@
                   <a:tcPr marL="68580" marR="68580" marT="0" marB="0"/>
                 </a:tc>
               </a:tr>
-              <a:tr h="280925">
+              <a:tr h="235719">
                 <a:tc>
                   <a:txBody>
                     <a:bodyPr/>
@@ -5314,143 +5370,31 @@
                         </a:spcAft>
                       </a:pPr>
                       <a:r>
-                        <a:rPr lang="ja-JP" sz="900" kern="100" dirty="0">
-                          <a:effectLst/>
-                          <a:latin typeface="Times New Roman"/>
+                        <a:rPr lang="ja-JP" altLang="en-US" sz="900" kern="100" dirty="0" smtClean="0">
+                          <a:effectLst/>
+                          <a:latin typeface="Century"/>
                           <a:ea typeface="ＭＳ 明朝"/>
                           <a:cs typeface="Times New Roman"/>
                         </a:rPr>
                         <a:t>平成</a:t>
                       </a:r>
                       <a:r>
-                        <a:rPr lang="en-US" sz="900" kern="100" dirty="0">
-                          <a:effectLst/>
-                          <a:latin typeface="Times New Roman"/>
+                        <a:rPr lang="en-US" altLang="ja-JP" sz="900" kern="100" dirty="0" smtClean="0">
+                          <a:effectLst/>
+                          <a:latin typeface="Century"/>
                           <a:ea typeface="ＭＳ 明朝"/>
                           <a:cs typeface="Times New Roman"/>
                         </a:rPr>
                         <a:t>25</a:t>
                       </a:r>
                       <a:r>
-                        <a:rPr lang="ja-JP" sz="900" kern="100" dirty="0" smtClean="0">
-                          <a:effectLst/>
-                          <a:latin typeface="Times New Roman"/>
+                        <a:rPr lang="ja-JP" altLang="en-US" sz="900" kern="100" dirty="0" smtClean="0">
+                          <a:effectLst/>
+                          <a:latin typeface="Century"/>
                           <a:ea typeface="ＭＳ 明朝"/>
                           <a:cs typeface="Times New Roman"/>
                         </a:rPr>
                         <a:t>年</a:t>
-                      </a:r>
-                      <a:r>
-                        <a:rPr lang="ja-JP" altLang="en-US" sz="900" kern="100" dirty="0" smtClean="0">
-                          <a:effectLst/>
-                          <a:latin typeface="Times New Roman"/>
-                          <a:ea typeface="ＭＳ 明朝"/>
-                          <a:cs typeface="Times New Roman"/>
-                        </a:rPr>
-                        <a:t>，</a:t>
-                      </a:r>
-                      <a:r>
-                        <a:rPr lang="ja-JP" sz="900" kern="100" dirty="0" smtClean="0">
-                          <a:effectLst/>
-                          <a:latin typeface="Times New Roman"/>
-                          <a:ea typeface="ＭＳ 明朝"/>
-                          <a:cs typeface="Times New Roman"/>
-                        </a:rPr>
-                        <a:t>市内</a:t>
-                      </a:r>
-                      <a:r>
-                        <a:rPr lang="ja-JP" sz="900" kern="100" dirty="0">
-                          <a:effectLst/>
-                          <a:latin typeface="Times New Roman"/>
-                          <a:ea typeface="ＭＳ 明朝"/>
-                          <a:cs typeface="Times New Roman"/>
-                        </a:rPr>
-                        <a:t>の中学校</a:t>
-                      </a:r>
-                      <a:r>
-                        <a:rPr lang="en-US" sz="900" kern="100" dirty="0">
-                          <a:effectLst/>
-                          <a:latin typeface="Times New Roman"/>
-                          <a:ea typeface="ＭＳ 明朝"/>
-                          <a:cs typeface="Times New Roman"/>
-                        </a:rPr>
-                        <a:t>6</a:t>
-                      </a:r>
-                      <a:r>
-                        <a:rPr lang="ja-JP" sz="900" kern="100" dirty="0">
-                          <a:effectLst/>
-                          <a:latin typeface="Times New Roman"/>
-                          <a:ea typeface="ＭＳ 明朝"/>
-                          <a:cs typeface="Times New Roman"/>
-                        </a:rPr>
-                        <a:t>校にタブレット</a:t>
-                      </a:r>
-                      <a:r>
-                        <a:rPr lang="en-US" sz="900" kern="100" dirty="0">
-                          <a:effectLst/>
-                          <a:latin typeface="Times New Roman"/>
-                          <a:ea typeface="ＭＳ 明朝"/>
-                          <a:cs typeface="Times New Roman"/>
-                        </a:rPr>
-                        <a:t>PC246</a:t>
-                      </a:r>
-                      <a:r>
-                        <a:rPr lang="ja-JP" sz="900" kern="100" dirty="0">
-                          <a:effectLst/>
-                          <a:latin typeface="Times New Roman"/>
-                          <a:ea typeface="ＭＳ 明朝"/>
-                          <a:cs typeface="Times New Roman"/>
-                        </a:rPr>
-                        <a:t>台（各校に</a:t>
-                      </a:r>
-                      <a:r>
-                        <a:rPr lang="en-US" sz="900" kern="100" dirty="0">
-                          <a:effectLst/>
-                          <a:latin typeface="Times New Roman"/>
-                          <a:ea typeface="ＭＳ 明朝"/>
-                          <a:cs typeface="Times New Roman"/>
-                        </a:rPr>
-                        <a:t>41</a:t>
-                      </a:r>
-                      <a:r>
-                        <a:rPr lang="ja-JP" sz="900" kern="100" dirty="0">
-                          <a:effectLst/>
-                          <a:latin typeface="Times New Roman"/>
-                          <a:ea typeface="ＭＳ 明朝"/>
-                          <a:cs typeface="Times New Roman"/>
-                        </a:rPr>
-                        <a:t>台）を配備．</a:t>
-                      </a:r>
-                      <a:endParaRPr lang="ja-JP" sz="900" kern="100" dirty="0">
-                        <a:effectLst/>
-                        <a:latin typeface="Century"/>
-                        <a:ea typeface="ＭＳ 明朝"/>
-                        <a:cs typeface="Times New Roman"/>
-                      </a:endParaRPr>
-                    </a:p>
-                  </a:txBody>
-                  <a:tcPr marL="68580" marR="68580" marT="0" marB="0"/>
-                </a:tc>
-              </a:tr>
-              <a:tr h="274534">
-                <a:tc>
-                  <a:txBody>
-                    <a:bodyPr/>
-                    <a:lstStyle/>
-                    <a:p>
-                      <a:pPr algn="just">
-                        <a:spcAft>
-                          <a:spcPts val="0"/>
-                        </a:spcAft>
-                      </a:pPr>
-                      <a:r>
-                        <a:rPr lang="ja-JP" sz="900" kern="100" dirty="0">
-                          <a:effectLst/>
-                          <a:latin typeface="Times New Roman"/>
-                          <a:ea typeface="ＭＳ 明朝"/>
-                          <a:cs typeface="Times New Roman"/>
-                        </a:rPr>
-                        <a:t>東京都荒川区</a:t>
                       </a:r>
                       <a:endParaRPr lang="ja-JP" sz="900" kern="100" dirty="0">
                         <a:effectLst/>
@@ -5473,143 +5417,31 @@
                         </a:spcAft>
                       </a:pPr>
                       <a:r>
-                        <a:rPr lang="ja-JP" sz="900" kern="100" dirty="0">
-                          <a:effectLst/>
-                          <a:latin typeface="Times New Roman"/>
-                          <a:ea typeface="ＭＳ 明朝"/>
-                          <a:cs typeface="Times New Roman"/>
-                        </a:rPr>
-                        <a:t>平成</a:t>
-                      </a:r>
-                      <a:r>
-                        <a:rPr lang="en-US" sz="900" kern="100" dirty="0">
-                          <a:effectLst/>
-                          <a:latin typeface="Times New Roman"/>
-                          <a:ea typeface="ＭＳ 明朝"/>
-                          <a:cs typeface="Times New Roman"/>
-                        </a:rPr>
-                        <a:t>25</a:t>
-                      </a:r>
-                      <a:r>
-                        <a:rPr lang="ja-JP" sz="900" kern="100" dirty="0">
-                          <a:effectLst/>
-                          <a:latin typeface="Times New Roman"/>
-                          <a:ea typeface="ＭＳ 明朝"/>
-                          <a:cs typeface="Times New Roman"/>
-                        </a:rPr>
-                        <a:t>年度に小中学校４校に対して約</a:t>
-                      </a:r>
-                      <a:r>
-                        <a:rPr lang="en-US" sz="900" kern="100" dirty="0">
-                          <a:effectLst/>
-                          <a:latin typeface="Times New Roman"/>
-                          <a:ea typeface="ＭＳ 明朝"/>
-                          <a:cs typeface="Times New Roman"/>
-                        </a:rPr>
-                        <a:t>1200</a:t>
-                      </a:r>
-                      <a:r>
-                        <a:rPr lang="ja-JP" sz="900" kern="100" dirty="0">
-                          <a:effectLst/>
-                          <a:latin typeface="Times New Roman"/>
-                          <a:ea typeface="ＭＳ 明朝"/>
-                          <a:cs typeface="Times New Roman"/>
-                        </a:rPr>
-                        <a:t>台のタブレット</a:t>
-                      </a:r>
-                      <a:r>
-                        <a:rPr lang="en-US" sz="900" kern="100" dirty="0">
-                          <a:effectLst/>
-                          <a:latin typeface="Times New Roman"/>
-                          <a:ea typeface="ＭＳ 明朝"/>
-                          <a:cs typeface="Times New Roman"/>
-                        </a:rPr>
-                        <a:t>PC</a:t>
-                      </a:r>
-                      <a:r>
-                        <a:rPr lang="ja-JP" sz="900" kern="100" dirty="0">
-                          <a:effectLst/>
-                          <a:latin typeface="Times New Roman"/>
-                          <a:ea typeface="ＭＳ 明朝"/>
-                          <a:cs typeface="Times New Roman"/>
-                        </a:rPr>
-                        <a:t>を配備し，児童生徒</a:t>
-                      </a:r>
-                      <a:r>
-                        <a:rPr lang="en-US" sz="900" kern="100" dirty="0">
-                          <a:effectLst/>
-                          <a:latin typeface="Times New Roman"/>
-                          <a:ea typeface="ＭＳ 明朝"/>
-                          <a:cs typeface="Times New Roman"/>
-                        </a:rPr>
-                        <a:t>1</a:t>
-                      </a:r>
-                      <a:r>
-                        <a:rPr lang="ja-JP" sz="900" kern="100" dirty="0">
-                          <a:effectLst/>
-                          <a:latin typeface="Times New Roman"/>
-                          <a:ea typeface="ＭＳ 明朝"/>
-                          <a:cs typeface="Times New Roman"/>
-                        </a:rPr>
-                        <a:t>人</a:t>
-                      </a:r>
-                      <a:r>
-                        <a:rPr lang="en-US" sz="900" kern="100" dirty="0">
-                          <a:effectLst/>
-                          <a:latin typeface="Times New Roman"/>
-                          <a:ea typeface="ＭＳ 明朝"/>
-                          <a:cs typeface="Times New Roman"/>
-                        </a:rPr>
-                        <a:t>1</a:t>
-                      </a:r>
-                      <a:r>
-                        <a:rPr lang="ja-JP" sz="900" kern="100" dirty="0">
-                          <a:effectLst/>
-                          <a:latin typeface="Times New Roman"/>
-                          <a:ea typeface="ＭＳ 明朝"/>
-                          <a:cs typeface="Times New Roman"/>
-                        </a:rPr>
-                        <a:t>台環境における実証研究を実施</a:t>
-                      </a:r>
-                      <a:r>
-                        <a:rPr lang="ja-JP" sz="900" kern="100" dirty="0" smtClean="0">
-                          <a:effectLst/>
-                          <a:latin typeface="Times New Roman"/>
-                          <a:ea typeface="ＭＳ 明朝"/>
-                          <a:cs typeface="Times New Roman"/>
-                        </a:rPr>
-                        <a:t>．</a:t>
-                      </a:r>
-                      <a:endParaRPr lang="ja-JP" sz="900" kern="100" dirty="0">
-                        <a:effectLst/>
-                        <a:latin typeface="Century"/>
-                        <a:ea typeface="ＭＳ 明朝"/>
-                        <a:cs typeface="Times New Roman"/>
-                      </a:endParaRPr>
-                    </a:p>
-                  </a:txBody>
-                  <a:tcPr marL="68580" marR="68580" marT="0" marB="0"/>
-                </a:tc>
-              </a:tr>
-              <a:tr h="280925">
-                <a:tc>
-                  <a:txBody>
-                    <a:bodyPr/>
-                    <a:lstStyle/>
-                    <a:p>
-                      <a:pPr algn="just">
-                        <a:spcAft>
-                          <a:spcPts val="0"/>
-                        </a:spcAft>
-                      </a:pPr>
-                      <a:r>
-                        <a:rPr lang="ja-JP" sz="900" kern="100" dirty="0">
-                          <a:effectLst/>
-                          <a:latin typeface="Times New Roman"/>
-                          <a:ea typeface="ＭＳ 明朝"/>
-                          <a:cs typeface="Times New Roman"/>
-                        </a:rPr>
-                        <a:t>東京都狛江市</a:t>
+                        <a:rPr lang="ja-JP" altLang="en-US" sz="900" kern="100" dirty="0" smtClean="0">
+                          <a:effectLst/>
+                          <a:latin typeface="Century"/>
+                          <a:ea typeface="ＭＳ 明朝"/>
+                          <a:cs typeface="Times New Roman"/>
+                        </a:rPr>
+                        <a:t>中学校</a:t>
+                      </a:r>
+                      <a:r>
+                        <a:rPr lang="en-US" altLang="ja-JP" sz="900" kern="100" dirty="0" smtClean="0">
+                          <a:effectLst/>
+                          <a:latin typeface="Century"/>
+                          <a:ea typeface="ＭＳ 明朝"/>
+                          <a:cs typeface="Times New Roman"/>
+                        </a:rPr>
+                        <a:t>6</a:t>
+                      </a:r>
+                      <a:r>
+                        <a:rPr lang="ja-JP" altLang="en-US" sz="900" kern="100" dirty="0" smtClean="0">
+                          <a:effectLst/>
+                          <a:latin typeface="Century"/>
+                          <a:ea typeface="ＭＳ 明朝"/>
+                          <a:cs typeface="Times New Roman"/>
+                        </a:rPr>
+                        <a:t>校</a:t>
                       </a:r>
                       <a:endParaRPr lang="ja-JP" sz="900" kern="100" dirty="0">
                         <a:effectLst/>
@@ -5632,85 +5464,22 @@
                         </a:spcAft>
                       </a:pPr>
                       <a:r>
-                        <a:rPr lang="ja-JP" sz="900" kern="100" dirty="0">
+                        <a:rPr lang="en-US" sz="900" kern="100" dirty="0" smtClean="0">
                           <a:effectLst/>
                           <a:latin typeface="Times New Roman"/>
                           <a:ea typeface="ＭＳ 明朝"/>
                           <a:cs typeface="Times New Roman"/>
                         </a:rPr>
-                        <a:t>平成</a:t>
-                      </a:r>
-                      <a:r>
-                        <a:rPr lang="en-US" sz="900" kern="100" dirty="0">
+                        <a:t>246</a:t>
+                      </a:r>
+                      <a:r>
+                        <a:rPr lang="ja-JP" sz="900" kern="100" dirty="0" smtClean="0">
                           <a:effectLst/>
                           <a:latin typeface="Times New Roman"/>
                           <a:ea typeface="ＭＳ 明朝"/>
                           <a:cs typeface="Times New Roman"/>
                         </a:rPr>
-                        <a:t>25</a:t>
-                      </a:r>
-                      <a:r>
-                        <a:rPr lang="ja-JP" sz="900" kern="100" dirty="0">
-                          <a:effectLst/>
-                          <a:latin typeface="Times New Roman"/>
-                          <a:ea typeface="ＭＳ 明朝"/>
-                          <a:cs typeface="Times New Roman"/>
-                        </a:rPr>
-                        <a:t>年度に，市内の小学校全</a:t>
-                      </a:r>
-                      <a:r>
-                        <a:rPr lang="en-US" sz="900" kern="100" dirty="0">
-                          <a:effectLst/>
-                          <a:latin typeface="Times New Roman"/>
-                          <a:ea typeface="ＭＳ 明朝"/>
-                          <a:cs typeface="Times New Roman"/>
-                        </a:rPr>
-                        <a:t>6</a:t>
-                      </a:r>
-                      <a:r>
-                        <a:rPr lang="ja-JP" sz="900" kern="100" dirty="0">
-                          <a:effectLst/>
-                          <a:latin typeface="Times New Roman"/>
-                          <a:ea typeface="ＭＳ 明朝"/>
-                          <a:cs typeface="Times New Roman"/>
-                        </a:rPr>
-                        <a:t>校にタブレット</a:t>
-                      </a:r>
-                      <a:r>
-                        <a:rPr lang="en-US" sz="900" kern="100" dirty="0">
-                          <a:effectLst/>
-                          <a:latin typeface="Times New Roman"/>
-                          <a:ea typeface="ＭＳ 明朝"/>
-                          <a:cs typeface="Times New Roman"/>
-                        </a:rPr>
-                        <a:t>PC266</a:t>
-                      </a:r>
-                      <a:r>
-                        <a:rPr lang="ja-JP" sz="900" kern="100" dirty="0">
-                          <a:effectLst/>
-                          <a:latin typeface="Times New Roman"/>
-                          <a:ea typeface="ＭＳ 明朝"/>
-                          <a:cs typeface="Times New Roman"/>
-                        </a:rPr>
-                        <a:t>台（各校に</a:t>
-                      </a:r>
-                      <a:r>
-                        <a:rPr lang="en-US" sz="900" kern="100" dirty="0">
-                          <a:effectLst/>
-                          <a:latin typeface="Times New Roman"/>
-                          <a:ea typeface="ＭＳ 明朝"/>
-                          <a:cs typeface="Times New Roman"/>
-                        </a:rPr>
-                        <a:t>41</a:t>
-                      </a:r>
-                      <a:r>
-                        <a:rPr lang="ja-JP" sz="900" kern="100" dirty="0">
-                          <a:effectLst/>
-                          <a:latin typeface="Times New Roman"/>
-                          <a:ea typeface="ＭＳ 明朝"/>
-                          <a:cs typeface="Times New Roman"/>
-                        </a:rPr>
-                        <a:t>台）を配備．</a:t>
+                        <a:t>台を配備</a:t>
                       </a:r>
                       <a:endParaRPr lang="ja-JP" sz="900" kern="100" dirty="0">
                         <a:effectLst/>
@@ -5723,7 +5492,7 @@
                   <a:tcPr marL="68580" marR="68580" marT="0" marB="0"/>
                 </a:tc>
               </a:tr>
-              <a:tr h="437618">
+              <a:tr h="235719">
                 <a:tc>
                   <a:txBody>
                     <a:bodyPr/>
@@ -5741,7 +5510,7 @@
                           <a:ea typeface="ＭＳ 明朝"/>
                           <a:cs typeface="Times New Roman"/>
                         </a:rPr>
-                        <a:t>大阪府大阪市</a:t>
+                        <a:t>東京都狛江市</a:t>
                       </a:r>
                       <a:endParaRPr lang="ja-JP" sz="900" kern="100" dirty="0">
                         <a:effectLst/>
@@ -5764,219 +5533,31 @@
                         </a:spcAft>
                       </a:pPr>
                       <a:r>
-                        <a:rPr lang="ja-JP" sz="900" kern="100" dirty="0">
-                          <a:effectLst/>
-                          <a:latin typeface="Times New Roman"/>
+                        <a:rPr lang="ja-JP" altLang="en-US" sz="900" kern="100" dirty="0" smtClean="0">
+                          <a:effectLst/>
+                          <a:latin typeface="Century"/>
                           <a:ea typeface="ＭＳ 明朝"/>
                           <a:cs typeface="Times New Roman"/>
                         </a:rPr>
                         <a:t>平成</a:t>
                       </a:r>
                       <a:r>
-                        <a:rPr lang="en-US" sz="900" kern="100" dirty="0">
-                          <a:effectLst/>
-                          <a:latin typeface="Times New Roman"/>
+                        <a:rPr lang="en-US" altLang="ja-JP" sz="900" kern="100" dirty="0" smtClean="0">
+                          <a:effectLst/>
+                          <a:latin typeface="Century"/>
                           <a:ea typeface="ＭＳ 明朝"/>
                           <a:cs typeface="Times New Roman"/>
                         </a:rPr>
                         <a:t>25</a:t>
                       </a:r>
                       <a:r>
-                        <a:rPr lang="ja-JP" sz="900" kern="100" dirty="0">
-                          <a:effectLst/>
-                          <a:latin typeface="Times New Roman"/>
-                          <a:ea typeface="ＭＳ 明朝"/>
-                          <a:cs typeface="Times New Roman"/>
-                        </a:rPr>
-                        <a:t>年度から，小中学校</a:t>
-                      </a:r>
-                      <a:r>
-                        <a:rPr lang="en-US" sz="900" kern="100" dirty="0">
-                          <a:effectLst/>
-                          <a:latin typeface="Times New Roman"/>
-                          <a:ea typeface="ＭＳ 明朝"/>
-                          <a:cs typeface="Times New Roman"/>
-                        </a:rPr>
-                        <a:t>7</a:t>
-                      </a:r>
-                      <a:r>
-                        <a:rPr lang="ja-JP" sz="900" kern="100" dirty="0">
-                          <a:effectLst/>
-                          <a:latin typeface="Times New Roman"/>
-                          <a:ea typeface="ＭＳ 明朝"/>
-                          <a:cs typeface="Times New Roman"/>
-                        </a:rPr>
-                        <a:t>校に対して，約</a:t>
-                      </a:r>
-                      <a:r>
-                        <a:rPr lang="en-US" sz="900" kern="100" dirty="0">
-                          <a:effectLst/>
-                          <a:latin typeface="Times New Roman"/>
-                          <a:ea typeface="ＭＳ 明朝"/>
-                          <a:cs typeface="Times New Roman"/>
-                        </a:rPr>
-                        <a:t>1400</a:t>
-                      </a:r>
-                      <a:r>
-                        <a:rPr lang="ja-JP" sz="900" kern="100" dirty="0">
-                          <a:effectLst/>
-                          <a:latin typeface="Times New Roman"/>
-                          <a:ea typeface="ＭＳ 明朝"/>
-                          <a:cs typeface="Times New Roman"/>
-                        </a:rPr>
-                        <a:t>台のタブレット</a:t>
-                      </a:r>
-                      <a:r>
-                        <a:rPr lang="en-US" sz="900" kern="100" dirty="0">
-                          <a:effectLst/>
-                          <a:latin typeface="Times New Roman"/>
-                          <a:ea typeface="ＭＳ 明朝"/>
-                          <a:cs typeface="Times New Roman"/>
-                        </a:rPr>
-                        <a:t>PC</a:t>
-                      </a:r>
-                      <a:r>
-                        <a:rPr lang="ja-JP" sz="900" kern="100" dirty="0">
-                          <a:effectLst/>
-                          <a:latin typeface="Times New Roman"/>
-                          <a:ea typeface="ＭＳ 明朝"/>
-                          <a:cs typeface="Times New Roman"/>
-                        </a:rPr>
-                        <a:t>（小学校は</a:t>
-                      </a:r>
-                      <a:r>
-                        <a:rPr lang="en-US" sz="900" kern="100" dirty="0">
-                          <a:effectLst/>
-                          <a:latin typeface="Times New Roman"/>
-                          <a:ea typeface="ＭＳ 明朝"/>
-                          <a:cs typeface="Times New Roman"/>
-                        </a:rPr>
-                        <a:t>1</a:t>
-                      </a:r>
-                      <a:r>
-                        <a:rPr lang="ja-JP" sz="900" kern="100" dirty="0">
-                          <a:effectLst/>
-                          <a:latin typeface="Times New Roman"/>
-                          <a:ea typeface="ＭＳ 明朝"/>
-                          <a:cs typeface="Times New Roman"/>
-                        </a:rPr>
-                        <a:t>校あたり</a:t>
-                      </a:r>
-                      <a:r>
-                        <a:rPr lang="en-US" sz="900" kern="100" dirty="0">
-                          <a:effectLst/>
-                          <a:latin typeface="Times New Roman"/>
-                          <a:ea typeface="ＭＳ 明朝"/>
-                          <a:cs typeface="Times New Roman"/>
-                        </a:rPr>
-                        <a:t>164</a:t>
-                      </a:r>
-                      <a:r>
-                        <a:rPr lang="ja-JP" sz="900" kern="100" dirty="0">
-                          <a:effectLst/>
-                          <a:latin typeface="Times New Roman"/>
-                          <a:ea typeface="ＭＳ 明朝"/>
-                          <a:cs typeface="Times New Roman"/>
-                        </a:rPr>
-                        <a:t>台，中学校は</a:t>
-                      </a:r>
-                      <a:r>
-                        <a:rPr lang="en-US" sz="900" kern="100" dirty="0">
-                          <a:effectLst/>
-                          <a:latin typeface="Times New Roman"/>
-                          <a:ea typeface="ＭＳ 明朝"/>
-                          <a:cs typeface="Times New Roman"/>
-                        </a:rPr>
-                        <a:t>1</a:t>
-                      </a:r>
-                      <a:r>
-                        <a:rPr lang="ja-JP" sz="900" kern="100" dirty="0">
-                          <a:effectLst/>
-                          <a:latin typeface="Times New Roman"/>
-                          <a:ea typeface="ＭＳ 明朝"/>
-                          <a:cs typeface="Times New Roman"/>
-                        </a:rPr>
-                        <a:t>校あたり</a:t>
-                      </a:r>
-                      <a:r>
-                        <a:rPr lang="en-US" sz="900" kern="100" dirty="0">
-                          <a:effectLst/>
-                          <a:latin typeface="Times New Roman"/>
-                          <a:ea typeface="ＭＳ 明朝"/>
-                          <a:cs typeface="Times New Roman"/>
-                        </a:rPr>
-                        <a:t>246</a:t>
-                      </a:r>
-                      <a:r>
-                        <a:rPr lang="ja-JP" sz="900" kern="100" dirty="0">
-                          <a:effectLst/>
-                          <a:latin typeface="Times New Roman"/>
-                          <a:ea typeface="ＭＳ 明朝"/>
-                          <a:cs typeface="Times New Roman"/>
-                        </a:rPr>
-                        <a:t>台）を</a:t>
-                      </a:r>
-                      <a:r>
-                        <a:rPr lang="ja-JP" sz="900" kern="100" dirty="0" smtClean="0">
-                          <a:effectLst/>
-                          <a:latin typeface="Times New Roman"/>
-                          <a:ea typeface="ＭＳ 明朝"/>
-                          <a:cs typeface="Times New Roman"/>
-                        </a:rPr>
-                        <a:t>配備</a:t>
-                      </a:r>
-                      <a:endParaRPr lang="ja-JP" sz="900" kern="100" dirty="0">
-                        <a:effectLst/>
-                        <a:latin typeface="Century"/>
-                        <a:ea typeface="ＭＳ 明朝"/>
-                        <a:cs typeface="Times New Roman"/>
-                      </a:endParaRPr>
-                    </a:p>
-                  </a:txBody>
-                  <a:tcPr marL="68580" marR="68580" marT="0" marB="0"/>
-                </a:tc>
-              </a:tr>
-              <a:tr h="437618">
-                <a:tc>
-                  <a:txBody>
-                    <a:bodyPr/>
-                    <a:lstStyle/>
-                    <a:p>
-                      <a:pPr algn="just">
-                        <a:spcAft>
-                          <a:spcPts val="0"/>
-                        </a:spcAft>
-                      </a:pPr>
-                      <a:r>
-                        <a:rPr lang="ja-JP" sz="900" kern="100" dirty="0">
-                          <a:effectLst/>
-                          <a:latin typeface="Times New Roman"/>
-                          <a:ea typeface="ＭＳ 明朝"/>
-                          <a:cs typeface="Times New Roman"/>
-                        </a:rPr>
-                        <a:t>さいたま市立</a:t>
-                      </a:r>
-                      <a:endParaRPr lang="ja-JP" sz="900" kern="100" dirty="0">
-                        <a:effectLst/>
-                        <a:latin typeface="Century"/>
-                        <a:ea typeface="ＭＳ 明朝"/>
-                        <a:cs typeface="Times New Roman"/>
-                      </a:endParaRPr>
-                    </a:p>
-                    <a:p>
-                      <a:pPr algn="just">
-                        <a:spcAft>
-                          <a:spcPts val="0"/>
-                        </a:spcAft>
-                      </a:pPr>
-                      <a:r>
-                        <a:rPr lang="ja-JP" sz="900" kern="100" dirty="0">
-                          <a:effectLst/>
-                          <a:latin typeface="Times New Roman"/>
-                          <a:ea typeface="ＭＳ 明朝"/>
-                          <a:cs typeface="Times New Roman"/>
-                        </a:rPr>
-                        <a:t>浦和中学校</a:t>
+                        <a:rPr lang="ja-JP" altLang="en-US" sz="900" kern="100" dirty="0" smtClean="0">
+                          <a:effectLst/>
+                          <a:latin typeface="Century"/>
+                          <a:ea typeface="ＭＳ 明朝"/>
+                          <a:cs typeface="Times New Roman"/>
+                        </a:rPr>
+                        <a:t>年</a:t>
                       </a:r>
                       <a:endParaRPr lang="ja-JP" sz="900" kern="100" dirty="0">
                         <a:effectLst/>
@@ -5999,31 +5580,710 @@
                         </a:spcAft>
                       </a:pPr>
                       <a:r>
+                        <a:rPr lang="ja-JP" altLang="en-US" sz="900" kern="100" dirty="0" smtClean="0">
+                          <a:effectLst/>
+                          <a:latin typeface="Century"/>
+                          <a:ea typeface="ＭＳ 明朝"/>
+                          <a:cs typeface="Times New Roman"/>
+                        </a:rPr>
+                        <a:t>小学校</a:t>
+                      </a:r>
+                      <a:r>
+                        <a:rPr lang="en-US" altLang="ja-JP" sz="900" kern="100" dirty="0" smtClean="0">
+                          <a:effectLst/>
+                          <a:latin typeface="Century"/>
+                          <a:ea typeface="ＭＳ 明朝"/>
+                          <a:cs typeface="Times New Roman"/>
+                        </a:rPr>
+                        <a:t>6</a:t>
+                      </a:r>
+                      <a:r>
+                        <a:rPr lang="ja-JP" altLang="en-US" sz="900" kern="100" dirty="0" smtClean="0">
+                          <a:effectLst/>
+                          <a:latin typeface="Century"/>
+                          <a:ea typeface="ＭＳ 明朝"/>
+                          <a:cs typeface="Times New Roman"/>
+                        </a:rPr>
+                        <a:t>校</a:t>
+                      </a:r>
+                      <a:endParaRPr lang="ja-JP" sz="900" kern="100" dirty="0">
+                        <a:effectLst/>
+                        <a:latin typeface="Century"/>
+                        <a:ea typeface="ＭＳ 明朝"/>
+                        <a:cs typeface="Times New Roman"/>
+                      </a:endParaRPr>
+                    </a:p>
+                  </a:txBody>
+                  <a:tcPr marL="68580" marR="68580" marT="0" marB="0"/>
+                </a:tc>
+                <a:tc>
+                  <a:txBody>
+                    <a:bodyPr/>
+                    <a:lstStyle/>
+                    <a:p>
+                      <a:pPr algn="just">
+                        <a:spcAft>
+                          <a:spcPts val="0"/>
+                        </a:spcAft>
+                      </a:pPr>
+                      <a:r>
+                        <a:rPr lang="en-US" sz="900" kern="100" dirty="0" smtClean="0">
+                          <a:effectLst/>
+                          <a:latin typeface="Times New Roman"/>
+                          <a:ea typeface="ＭＳ 明朝"/>
+                          <a:cs typeface="Times New Roman"/>
+                        </a:rPr>
+                        <a:t>266</a:t>
+                      </a:r>
+                      <a:r>
+                        <a:rPr lang="ja-JP" sz="900" kern="100" dirty="0" smtClean="0">
+                          <a:effectLst/>
+                          <a:latin typeface="Times New Roman"/>
+                          <a:ea typeface="ＭＳ 明朝"/>
+                          <a:cs typeface="Times New Roman"/>
+                        </a:rPr>
+                        <a:t>台を配備</a:t>
+                      </a:r>
+                      <a:endParaRPr lang="ja-JP" sz="900" kern="100" dirty="0">
+                        <a:effectLst/>
+                        <a:latin typeface="Century"/>
+                        <a:ea typeface="ＭＳ 明朝"/>
+                        <a:cs typeface="Times New Roman"/>
+                      </a:endParaRPr>
+                    </a:p>
+                  </a:txBody>
+                  <a:tcPr marL="68580" marR="68580" marT="0" marB="0"/>
+                </a:tc>
+              </a:tr>
+              <a:tr h="321480">
+                <a:tc>
+                  <a:txBody>
+                    <a:bodyPr/>
+                    <a:lstStyle/>
+                    <a:p>
+                      <a:pPr algn="just">
+                        <a:spcAft>
+                          <a:spcPts val="0"/>
+                        </a:spcAft>
+                      </a:pPr>
+                      <a:r>
                         <a:rPr lang="ja-JP" sz="900" kern="100" dirty="0">
                           <a:effectLst/>
                           <a:latin typeface="Times New Roman"/>
                           <a:ea typeface="ＭＳ 明朝"/>
                           <a:cs typeface="Times New Roman"/>
                         </a:rPr>
+                        <a:t>大阪府大阪市</a:t>
+                      </a:r>
+                      <a:endParaRPr lang="ja-JP" sz="900" kern="100" dirty="0">
+                        <a:effectLst/>
+                        <a:latin typeface="Century"/>
+                        <a:ea typeface="ＭＳ 明朝"/>
+                        <a:cs typeface="Times New Roman"/>
+                      </a:endParaRPr>
+                    </a:p>
+                  </a:txBody>
+                  <a:tcPr marL="68580" marR="68580" marT="0" marB="0"/>
+                </a:tc>
+                <a:tc>
+                  <a:txBody>
+                    <a:bodyPr/>
+                    <a:lstStyle/>
+                    <a:p>
+                      <a:pPr algn="just">
+                        <a:spcAft>
+                          <a:spcPts val="0"/>
+                        </a:spcAft>
+                      </a:pPr>
+                      <a:r>
+                        <a:rPr lang="ja-JP" altLang="en-US" sz="900" kern="100" dirty="0" smtClean="0">
+                          <a:effectLst/>
+                          <a:latin typeface="Century"/>
+                          <a:ea typeface="ＭＳ 明朝"/>
+                          <a:cs typeface="Times New Roman"/>
+                        </a:rPr>
                         <a:t>平成</a:t>
                       </a:r>
                       <a:r>
+                        <a:rPr lang="en-US" altLang="ja-JP" sz="900" kern="100" dirty="0" smtClean="0">
+                          <a:effectLst/>
+                          <a:latin typeface="Century"/>
+                          <a:ea typeface="ＭＳ 明朝"/>
+                          <a:cs typeface="Times New Roman"/>
+                        </a:rPr>
+                        <a:t>25</a:t>
+                      </a:r>
+                      <a:r>
+                        <a:rPr lang="ja-JP" altLang="en-US" sz="900" kern="100" dirty="0" smtClean="0">
+                          <a:effectLst/>
+                          <a:latin typeface="Century"/>
+                          <a:ea typeface="ＭＳ 明朝"/>
+                          <a:cs typeface="Times New Roman"/>
+                        </a:rPr>
+                        <a:t>年</a:t>
+                      </a:r>
+                      <a:endParaRPr lang="ja-JP" sz="900" kern="100" dirty="0">
+                        <a:effectLst/>
+                        <a:latin typeface="Century"/>
+                        <a:ea typeface="ＭＳ 明朝"/>
+                        <a:cs typeface="Times New Roman"/>
+                      </a:endParaRPr>
+                    </a:p>
+                  </a:txBody>
+                  <a:tcPr marL="68580" marR="68580" marT="0" marB="0"/>
+                </a:tc>
+                <a:tc>
+                  <a:txBody>
+                    <a:bodyPr/>
+                    <a:lstStyle/>
+                    <a:p>
+                      <a:pPr algn="just">
+                        <a:spcAft>
+                          <a:spcPts val="0"/>
+                        </a:spcAft>
+                      </a:pPr>
+                      <a:r>
+                        <a:rPr lang="ja-JP" altLang="en-US" sz="900" kern="100" dirty="0" smtClean="0">
+                          <a:effectLst/>
+                          <a:latin typeface="Century"/>
+                          <a:ea typeface="ＭＳ 明朝"/>
+                          <a:cs typeface="Times New Roman"/>
+                        </a:rPr>
+                        <a:t>小中学校</a:t>
+                      </a:r>
+                      <a:r>
+                        <a:rPr lang="en-US" altLang="ja-JP" sz="900" kern="100" dirty="0" smtClean="0">
+                          <a:effectLst/>
+                          <a:latin typeface="Century"/>
+                          <a:ea typeface="ＭＳ 明朝"/>
+                          <a:cs typeface="Times New Roman"/>
+                        </a:rPr>
+                        <a:t>7</a:t>
+                      </a:r>
+                      <a:r>
+                        <a:rPr lang="ja-JP" altLang="en-US" sz="900" kern="100" dirty="0" smtClean="0">
+                          <a:effectLst/>
+                          <a:latin typeface="Century"/>
+                          <a:ea typeface="ＭＳ 明朝"/>
+                          <a:cs typeface="Times New Roman"/>
+                        </a:rPr>
+                        <a:t>校</a:t>
+                      </a:r>
+                      <a:endParaRPr lang="ja-JP" sz="900" kern="100" dirty="0">
+                        <a:effectLst/>
+                        <a:latin typeface="Century"/>
+                        <a:ea typeface="ＭＳ 明朝"/>
+                        <a:cs typeface="Times New Roman"/>
+                      </a:endParaRPr>
+                    </a:p>
+                  </a:txBody>
+                  <a:tcPr marL="68580" marR="68580" marT="0" marB="0"/>
+                </a:tc>
+                <a:tc>
+                  <a:txBody>
+                    <a:bodyPr/>
+                    <a:lstStyle/>
+                    <a:p>
+                      <a:pPr algn="just">
+                        <a:spcAft>
+                          <a:spcPts val="0"/>
+                        </a:spcAft>
+                      </a:pPr>
+                      <a:r>
+                        <a:rPr lang="ja-JP" sz="900" kern="100" dirty="0" smtClean="0">
+                          <a:effectLst/>
+                          <a:latin typeface="Times New Roman"/>
+                          <a:ea typeface="ＭＳ 明朝"/>
+                          <a:cs typeface="Times New Roman"/>
+                        </a:rPr>
+                        <a:t>約</a:t>
+                      </a:r>
+                      <a:r>
                         <a:rPr lang="en-US" sz="900" kern="100" dirty="0">
                           <a:effectLst/>
                           <a:latin typeface="Times New Roman"/>
                           <a:ea typeface="ＭＳ 明朝"/>
                           <a:cs typeface="Times New Roman"/>
                         </a:rPr>
+                        <a:t>1400</a:t>
+                      </a:r>
+                      <a:r>
+                        <a:rPr lang="ja-JP" sz="900" kern="100" dirty="0" smtClean="0">
+                          <a:effectLst/>
+                          <a:latin typeface="Times New Roman"/>
+                          <a:ea typeface="ＭＳ 明朝"/>
+                          <a:cs typeface="Times New Roman"/>
+                        </a:rPr>
+                        <a:t>台</a:t>
+                      </a:r>
+                      <a:r>
+                        <a:rPr lang="ja-JP" altLang="en-US" sz="900" kern="100" dirty="0" smtClean="0">
+                          <a:effectLst/>
+                          <a:latin typeface="Times New Roman"/>
+                          <a:ea typeface="ＭＳ 明朝"/>
+                          <a:cs typeface="Times New Roman"/>
+                        </a:rPr>
+                        <a:t>を配備</a:t>
+                      </a:r>
+                      <a:endParaRPr lang="ja-JP" sz="900" kern="100" dirty="0">
+                        <a:effectLst/>
+                        <a:latin typeface="Century"/>
+                        <a:ea typeface="ＭＳ 明朝"/>
+                        <a:cs typeface="Times New Roman"/>
+                      </a:endParaRPr>
+                    </a:p>
+                  </a:txBody>
+                  <a:tcPr marL="68580" marR="68580" marT="0" marB="0"/>
+                </a:tc>
+              </a:tr>
+              <a:tr h="367199">
+                <a:tc>
+                  <a:txBody>
+                    <a:bodyPr/>
+                    <a:lstStyle/>
+                    <a:p>
+                      <a:pPr algn="just">
+                        <a:spcAft>
+                          <a:spcPts val="0"/>
+                        </a:spcAft>
+                      </a:pPr>
+                      <a:r>
+                        <a:rPr lang="ja-JP" sz="900" kern="100" dirty="0">
+                          <a:effectLst/>
+                          <a:latin typeface="Times New Roman"/>
+                          <a:ea typeface="ＭＳ 明朝"/>
+                          <a:cs typeface="Times New Roman"/>
+                        </a:rPr>
+                        <a:t>東京都荒川区</a:t>
+                      </a:r>
+                      <a:endParaRPr lang="ja-JP" sz="900" kern="100" dirty="0">
+                        <a:effectLst/>
+                        <a:latin typeface="Century"/>
+                        <a:ea typeface="ＭＳ 明朝"/>
+                        <a:cs typeface="Times New Roman"/>
+                      </a:endParaRPr>
+                    </a:p>
+                  </a:txBody>
+                  <a:tcPr marL="68580" marR="68580" marT="0" marB="0"/>
+                </a:tc>
+                <a:tc>
+                  <a:txBody>
+                    <a:bodyPr/>
+                    <a:lstStyle/>
+                    <a:p>
+                      <a:pPr algn="just">
+                        <a:spcAft>
+                          <a:spcPts val="0"/>
+                        </a:spcAft>
+                      </a:pPr>
+                      <a:r>
+                        <a:rPr lang="ja-JP" altLang="en-US" sz="900" kern="100" dirty="0" smtClean="0">
+                          <a:effectLst/>
+                          <a:latin typeface="Century"/>
+                          <a:ea typeface="ＭＳ 明朝"/>
+                          <a:cs typeface="Times New Roman"/>
+                        </a:rPr>
+                        <a:t>平成</a:t>
+                      </a:r>
+                      <a:r>
+                        <a:rPr lang="en-US" altLang="ja-JP" sz="900" kern="100" dirty="0" smtClean="0">
+                          <a:effectLst/>
+                          <a:latin typeface="Century"/>
+                          <a:ea typeface="ＭＳ 明朝"/>
+                          <a:cs typeface="Times New Roman"/>
+                        </a:rPr>
+                        <a:t>25</a:t>
+                      </a:r>
+                      <a:r>
+                        <a:rPr lang="ja-JP" altLang="en-US" sz="900" kern="100" dirty="0" smtClean="0">
+                          <a:effectLst/>
+                          <a:latin typeface="Century"/>
+                          <a:ea typeface="ＭＳ 明朝"/>
+                          <a:cs typeface="Times New Roman"/>
+                        </a:rPr>
+                        <a:t>年</a:t>
+                      </a:r>
+                      <a:endParaRPr lang="ja-JP" sz="900" kern="100" dirty="0">
+                        <a:effectLst/>
+                        <a:latin typeface="Century"/>
+                        <a:ea typeface="ＭＳ 明朝"/>
+                        <a:cs typeface="Times New Roman"/>
+                      </a:endParaRPr>
+                    </a:p>
+                  </a:txBody>
+                  <a:tcPr marL="68580" marR="68580" marT="0" marB="0"/>
+                </a:tc>
+                <a:tc>
+                  <a:txBody>
+                    <a:bodyPr/>
+                    <a:lstStyle/>
+                    <a:p>
+                      <a:pPr algn="just">
+                        <a:spcAft>
+                          <a:spcPts val="0"/>
+                        </a:spcAft>
+                      </a:pPr>
+                      <a:r>
+                        <a:rPr lang="zh-CN" altLang="en-US" sz="900" kern="100" dirty="0" smtClean="0">
+                          <a:effectLst/>
+                          <a:latin typeface="Century"/>
+                          <a:ea typeface="ＭＳ 明朝"/>
+                          <a:cs typeface="Times New Roman"/>
+                        </a:rPr>
+                        <a:t>小中学校</a:t>
+                      </a:r>
+                      <a:r>
+                        <a:rPr lang="en-US" altLang="ja-JP" sz="900" kern="100" dirty="0" smtClean="0">
+                          <a:effectLst/>
+                          <a:latin typeface="Century"/>
+                          <a:ea typeface="ＭＳ 明朝"/>
+                          <a:cs typeface="Times New Roman"/>
+                        </a:rPr>
+                        <a:t>4</a:t>
+                      </a:r>
+                      <a:r>
+                        <a:rPr lang="zh-CN" altLang="en-US" sz="900" kern="100" dirty="0" smtClean="0">
+                          <a:effectLst/>
+                          <a:latin typeface="Century"/>
+                          <a:ea typeface="ＭＳ 明朝"/>
+                          <a:cs typeface="Times New Roman"/>
+                        </a:rPr>
+                        <a:t>校</a:t>
+                      </a:r>
+                      <a:endParaRPr lang="ja-JP" sz="900" kern="100" dirty="0">
+                        <a:effectLst/>
+                        <a:latin typeface="Century"/>
+                        <a:ea typeface="ＭＳ 明朝"/>
+                        <a:cs typeface="Times New Roman"/>
+                      </a:endParaRPr>
+                    </a:p>
+                  </a:txBody>
+                  <a:tcPr marL="68580" marR="68580" marT="0" marB="0"/>
+                </a:tc>
+                <a:tc>
+                  <a:txBody>
+                    <a:bodyPr/>
+                    <a:lstStyle/>
+                    <a:p>
+                      <a:pPr algn="just">
+                        <a:spcAft>
+                          <a:spcPts val="0"/>
+                        </a:spcAft>
+                      </a:pPr>
+                      <a:r>
+                        <a:rPr lang="ja-JP" sz="900" kern="100" dirty="0" smtClean="0">
+                          <a:effectLst/>
+                          <a:latin typeface="Times New Roman"/>
+                          <a:ea typeface="ＭＳ 明朝"/>
+                          <a:cs typeface="Times New Roman"/>
+                        </a:rPr>
+                        <a:t>約</a:t>
+                      </a:r>
+                      <a:r>
+                        <a:rPr lang="en-US" sz="900" kern="100" dirty="0">
+                          <a:effectLst/>
+                          <a:latin typeface="Times New Roman"/>
+                          <a:ea typeface="ＭＳ 明朝"/>
+                          <a:cs typeface="Times New Roman"/>
+                        </a:rPr>
+                        <a:t>1200</a:t>
+                      </a:r>
+                      <a:r>
+                        <a:rPr lang="ja-JP" sz="900" kern="100" dirty="0" smtClean="0">
+                          <a:effectLst/>
+                          <a:latin typeface="Times New Roman"/>
+                          <a:ea typeface="ＭＳ 明朝"/>
+                          <a:cs typeface="Times New Roman"/>
+                        </a:rPr>
+                        <a:t>台を配備</a:t>
+                      </a:r>
+                      <a:endParaRPr lang="en-US" altLang="ja-JP" sz="900" kern="100" dirty="0" smtClean="0">
+                        <a:effectLst/>
+                        <a:latin typeface="Times New Roman"/>
+                        <a:ea typeface="ＭＳ 明朝"/>
+                        <a:cs typeface="Times New Roman"/>
+                      </a:endParaRPr>
+                    </a:p>
+                    <a:p>
+                      <a:pPr algn="just">
+                        <a:spcAft>
+                          <a:spcPts val="0"/>
+                        </a:spcAft>
+                      </a:pPr>
+                      <a:r>
+                        <a:rPr lang="ja-JP" sz="900" kern="100" dirty="0" smtClean="0">
+                          <a:effectLst/>
+                          <a:latin typeface="Times New Roman"/>
+                          <a:ea typeface="ＭＳ 明朝"/>
+                          <a:cs typeface="Times New Roman"/>
+                        </a:rPr>
+                        <a:t>生徒</a:t>
+                      </a:r>
+                      <a:r>
+                        <a:rPr lang="en-US" sz="900" kern="100" dirty="0">
+                          <a:effectLst/>
+                          <a:latin typeface="Times New Roman"/>
+                          <a:ea typeface="ＭＳ 明朝"/>
+                          <a:cs typeface="Times New Roman"/>
+                        </a:rPr>
+                        <a:t>1</a:t>
+                      </a:r>
+                      <a:r>
+                        <a:rPr lang="ja-JP" sz="900" kern="100" dirty="0">
+                          <a:effectLst/>
+                          <a:latin typeface="Times New Roman"/>
+                          <a:ea typeface="ＭＳ 明朝"/>
+                          <a:cs typeface="Times New Roman"/>
+                        </a:rPr>
+                        <a:t>人</a:t>
+                      </a:r>
+                      <a:r>
+                        <a:rPr lang="en-US" sz="900" kern="100" dirty="0">
+                          <a:effectLst/>
+                          <a:latin typeface="Times New Roman"/>
+                          <a:ea typeface="ＭＳ 明朝"/>
+                          <a:cs typeface="Times New Roman"/>
+                        </a:rPr>
+                        <a:t>1</a:t>
+                      </a:r>
+                      <a:r>
+                        <a:rPr lang="ja-JP" sz="900" kern="100" dirty="0" smtClean="0">
+                          <a:effectLst/>
+                          <a:latin typeface="Times New Roman"/>
+                          <a:ea typeface="ＭＳ 明朝"/>
+                          <a:cs typeface="Times New Roman"/>
+                        </a:rPr>
+                        <a:t>台</a:t>
+                      </a:r>
+                      <a:r>
+                        <a:rPr lang="ja-JP" altLang="en-US" sz="900" kern="100" dirty="0" smtClean="0">
+                          <a:effectLst/>
+                          <a:latin typeface="Times New Roman"/>
+                          <a:ea typeface="ＭＳ 明朝"/>
+                          <a:cs typeface="Times New Roman"/>
+                        </a:rPr>
+                        <a:t>環境</a:t>
+                      </a:r>
+                      <a:endParaRPr lang="ja-JP" sz="900" kern="100" dirty="0">
+                        <a:effectLst/>
+                        <a:latin typeface="Century"/>
+                        <a:ea typeface="ＭＳ 明朝"/>
+                        <a:cs typeface="Times New Roman"/>
+                      </a:endParaRPr>
+                    </a:p>
+                  </a:txBody>
+                  <a:tcPr marL="68580" marR="68580" marT="0" marB="0"/>
+                </a:tc>
+              </a:tr>
+              <a:tr h="367199">
+                <a:tc>
+                  <a:txBody>
+                    <a:bodyPr/>
+                    <a:lstStyle/>
+                    <a:p>
+                      <a:pPr algn="just">
+                        <a:spcAft>
+                          <a:spcPts val="0"/>
+                        </a:spcAft>
+                      </a:pPr>
+                      <a:r>
+                        <a:rPr lang="ja-JP" altLang="en-US" sz="900" kern="100" dirty="0" smtClean="0">
+                          <a:effectLst/>
+                          <a:latin typeface="Times New Roman"/>
+                          <a:ea typeface="ＭＳ 明朝"/>
+                          <a:cs typeface="Times New Roman"/>
+                        </a:rPr>
+                        <a:t>埼玉県</a:t>
+                      </a:r>
+                      <a:r>
+                        <a:rPr lang="ja-JP" sz="900" kern="100" dirty="0" smtClean="0">
+                          <a:effectLst/>
+                          <a:latin typeface="Times New Roman"/>
+                          <a:ea typeface="ＭＳ 明朝"/>
+                          <a:cs typeface="Times New Roman"/>
+                        </a:rPr>
+                        <a:t>さいたま市</a:t>
+                      </a:r>
+                      <a:endParaRPr lang="ja-JP" sz="900" kern="100" dirty="0">
+                        <a:effectLst/>
+                        <a:latin typeface="Century"/>
+                        <a:ea typeface="ＭＳ 明朝"/>
+                        <a:cs typeface="Times New Roman"/>
+                      </a:endParaRPr>
+                    </a:p>
+                  </a:txBody>
+                  <a:tcPr marL="68580" marR="68580" marT="0" marB="0"/>
+                </a:tc>
+                <a:tc>
+                  <a:txBody>
+                    <a:bodyPr/>
+                    <a:lstStyle/>
+                    <a:p>
+                      <a:pPr algn="just">
+                        <a:spcAft>
+                          <a:spcPts val="0"/>
+                        </a:spcAft>
+                      </a:pPr>
+                      <a:r>
+                        <a:rPr lang="ja-JP" altLang="en-US" sz="900" kern="100" dirty="0" smtClean="0">
+                          <a:effectLst/>
+                          <a:latin typeface="Century"/>
+                          <a:ea typeface="ＭＳ 明朝"/>
+                          <a:cs typeface="Times New Roman"/>
+                        </a:rPr>
+                        <a:t>平成</a:t>
+                      </a:r>
+                      <a:r>
+                        <a:rPr lang="en-US" altLang="ja-JP" sz="900" kern="100" dirty="0" smtClean="0">
+                          <a:effectLst/>
+                          <a:latin typeface="Century"/>
+                          <a:ea typeface="ＭＳ 明朝"/>
+                          <a:cs typeface="Times New Roman"/>
+                        </a:rPr>
                         <a:t>24</a:t>
                       </a:r>
                       <a:r>
+                        <a:rPr lang="ja-JP" altLang="en-US" sz="900" kern="100" dirty="0" smtClean="0">
+                          <a:effectLst/>
+                          <a:latin typeface="Century"/>
+                          <a:ea typeface="ＭＳ 明朝"/>
+                          <a:cs typeface="Times New Roman"/>
+                        </a:rPr>
+                        <a:t>年</a:t>
+                      </a:r>
+                      <a:endParaRPr lang="ja-JP" sz="900" kern="100" dirty="0">
+                        <a:effectLst/>
+                        <a:latin typeface="Century"/>
+                        <a:ea typeface="ＭＳ 明朝"/>
+                        <a:cs typeface="Times New Roman"/>
+                      </a:endParaRPr>
+                    </a:p>
+                  </a:txBody>
+                  <a:tcPr marL="68580" marR="68580" marT="0" marB="0"/>
+                </a:tc>
+                <a:tc>
+                  <a:txBody>
+                    <a:bodyPr/>
+                    <a:lstStyle/>
+                    <a:p>
+                      <a:pPr algn="just">
+                        <a:spcAft>
+                          <a:spcPts val="0"/>
+                        </a:spcAft>
+                      </a:pPr>
+                      <a:r>
+                        <a:rPr lang="ja-JP" altLang="en-US" sz="900" kern="100" dirty="0" smtClean="0">
+                          <a:effectLst/>
+                          <a:latin typeface="Century"/>
+                          <a:ea typeface="ＭＳ 明朝"/>
+                          <a:cs typeface="Times New Roman"/>
+                        </a:rPr>
+                        <a:t>中学校</a:t>
+                      </a:r>
+                      <a:endParaRPr lang="ja-JP" sz="900" kern="100" dirty="0">
+                        <a:effectLst/>
+                        <a:latin typeface="Century"/>
+                        <a:ea typeface="ＭＳ 明朝"/>
+                        <a:cs typeface="Times New Roman"/>
+                      </a:endParaRPr>
+                    </a:p>
+                  </a:txBody>
+                  <a:tcPr marL="68580" marR="68580" marT="0" marB="0"/>
+                </a:tc>
+                <a:tc>
+                  <a:txBody>
+                    <a:bodyPr/>
+                    <a:lstStyle/>
+                    <a:p>
+                      <a:pPr algn="just">
+                        <a:spcAft>
+                          <a:spcPts val="0"/>
+                        </a:spcAft>
+                      </a:pPr>
+                      <a:r>
+                        <a:rPr lang="ja-JP" sz="900" kern="100" dirty="0" smtClean="0">
+                          <a:effectLst/>
+                          <a:latin typeface="Times New Roman"/>
+                          <a:ea typeface="ＭＳ 明朝"/>
+                          <a:cs typeface="Times New Roman"/>
+                        </a:rPr>
+                        <a:t>約</a:t>
+                      </a:r>
+                      <a:r>
+                        <a:rPr lang="en-US" sz="900" kern="100" dirty="0">
+                          <a:effectLst/>
+                          <a:latin typeface="Times New Roman"/>
+                          <a:ea typeface="ＭＳ 明朝"/>
+                          <a:cs typeface="Times New Roman"/>
+                        </a:rPr>
+                        <a:t>240</a:t>
+                      </a:r>
+                      <a:r>
+                        <a:rPr lang="ja-JP" sz="900" kern="100" dirty="0" smtClean="0">
+                          <a:effectLst/>
+                          <a:latin typeface="Times New Roman"/>
+                          <a:ea typeface="ＭＳ 明朝"/>
+                          <a:cs typeface="Times New Roman"/>
+                        </a:rPr>
+                        <a:t>台</a:t>
+                      </a:r>
+                      <a:r>
+                        <a:rPr lang="ja-JP" altLang="en-US" sz="900" kern="100" dirty="0" smtClean="0">
+                          <a:effectLst/>
+                          <a:latin typeface="Times New Roman"/>
+                          <a:ea typeface="ＭＳ 明朝"/>
+                          <a:cs typeface="Times New Roman"/>
+                        </a:rPr>
+                        <a:t>を</a:t>
+                      </a:r>
+                      <a:r>
+                        <a:rPr lang="ja-JP" sz="900" kern="100" dirty="0" smtClean="0">
+                          <a:effectLst/>
+                          <a:latin typeface="Times New Roman"/>
+                          <a:ea typeface="ＭＳ 明朝"/>
+                          <a:cs typeface="Times New Roman"/>
+                        </a:rPr>
+                        <a:t>配備</a:t>
+                      </a:r>
+                      <a:endParaRPr lang="en-US" altLang="ja-JP" sz="900" kern="100" dirty="0" smtClean="0">
+                        <a:effectLst/>
+                        <a:latin typeface="Times New Roman"/>
+                        <a:ea typeface="ＭＳ 明朝"/>
+                        <a:cs typeface="Times New Roman"/>
+                      </a:endParaRPr>
+                    </a:p>
+                    <a:p>
+                      <a:pPr algn="just">
+                        <a:spcAft>
+                          <a:spcPts val="0"/>
+                        </a:spcAft>
+                      </a:pPr>
+                      <a:r>
+                        <a:rPr lang="ja-JP" sz="900" kern="100" dirty="0" smtClean="0">
+                          <a:effectLst/>
+                          <a:latin typeface="Times New Roman"/>
+                          <a:ea typeface="ＭＳ 明朝"/>
+                          <a:cs typeface="Times New Roman"/>
+                        </a:rPr>
+                        <a:t>生徒</a:t>
+                      </a:r>
+                      <a:r>
+                        <a:rPr lang="en-US" sz="900" kern="100" dirty="0">
+                          <a:effectLst/>
+                          <a:latin typeface="Times New Roman"/>
+                          <a:ea typeface="ＭＳ 明朝"/>
+                          <a:cs typeface="Times New Roman"/>
+                        </a:rPr>
+                        <a:t>1</a:t>
+                      </a:r>
+                      <a:r>
                         <a:rPr lang="ja-JP" sz="900" kern="100" dirty="0">
                           <a:effectLst/>
                           <a:latin typeface="Times New Roman"/>
                           <a:ea typeface="ＭＳ 明朝"/>
                           <a:cs typeface="Times New Roman"/>
                         </a:rPr>
-                        <a:t>年度に約</a:t>
+                        <a:t>人</a:t>
                       </a:r>
                       <a:r>
                         <a:rPr lang="en-US" sz="900" kern="100" dirty="0">
@@ -6032,7 +6292,7 @@
                           <a:ea typeface="ＭＳ 明朝"/>
                           <a:cs typeface="Times New Roman"/>
                         </a:rPr>
-                        <a:t>240</a:t>
+                        <a:t>1</a:t>
                       </a:r>
                       <a:r>
                         <a:rPr lang="ja-JP" sz="900" kern="100" dirty="0">
@@ -6041,17 +6301,39 @@
                           <a:ea typeface="ＭＳ 明朝"/>
                           <a:cs typeface="Times New Roman"/>
                         </a:rPr>
-                        <a:t>台のタブレット</a:t>
-                      </a:r>
-                      <a:r>
-                        <a:rPr lang="en-US" sz="900" kern="100" dirty="0">
+                        <a:t>台</a:t>
+                      </a:r>
+                      <a:r>
+                        <a:rPr lang="ja-JP" sz="900" kern="100" dirty="0" smtClean="0">
                           <a:effectLst/>
                           <a:latin typeface="Times New Roman"/>
                           <a:ea typeface="ＭＳ 明朝"/>
                           <a:cs typeface="Times New Roman"/>
                         </a:rPr>
-                        <a:t>PC</a:t>
-                      </a:r>
+                        <a:t>環境</a:t>
+                      </a:r>
+                      <a:endParaRPr lang="ja-JP" sz="900" kern="100" dirty="0">
+                        <a:effectLst/>
+                        <a:latin typeface="Century"/>
+                        <a:ea typeface="ＭＳ 明朝"/>
+                        <a:cs typeface="Times New Roman"/>
+                      </a:endParaRPr>
+                    </a:p>
+                  </a:txBody>
+                  <a:tcPr marL="68580" marR="68580" marT="0" marB="0"/>
+                </a:tc>
+              </a:tr>
+              <a:tr h="397847">
+                <a:tc>
+                  <a:txBody>
+                    <a:bodyPr/>
+                    <a:lstStyle/>
+                    <a:p>
+                      <a:pPr algn="just">
+                        <a:spcAft>
+                          <a:spcPts val="0"/>
+                        </a:spcAft>
+                      </a:pPr>
                       <a:r>
                         <a:rPr lang="ja-JP" sz="900" kern="100" dirty="0">
                           <a:effectLst/>
@@ -6059,53 +6341,196 @@
                           <a:ea typeface="ＭＳ 明朝"/>
                           <a:cs typeface="Times New Roman"/>
                         </a:rPr>
-                        <a:t>を配備し，生徒</a:t>
-                      </a:r>
-                      <a:r>
-                        <a:rPr lang="en-US" sz="900" kern="100" dirty="0">
+                        <a:t>佐賀県武雄市</a:t>
+                      </a:r>
+                      <a:endParaRPr lang="ja-JP" sz="900" kern="100" dirty="0">
+                        <a:effectLst/>
+                        <a:latin typeface="Century"/>
+                        <a:ea typeface="ＭＳ 明朝"/>
+                        <a:cs typeface="Times New Roman"/>
+                      </a:endParaRPr>
+                    </a:p>
+                  </a:txBody>
+                  <a:tcPr marL="68580" marR="68580" marT="0" marB="0"/>
+                </a:tc>
+                <a:tc>
+                  <a:txBody>
+                    <a:bodyPr/>
+                    <a:lstStyle/>
+                    <a:p>
+                      <a:pPr algn="just">
+                        <a:spcAft>
+                          <a:spcPts val="0"/>
+                        </a:spcAft>
+                      </a:pPr>
+                      <a:r>
+                        <a:rPr lang="ja-JP" sz="900" kern="100" dirty="0" smtClean="0">
                           <a:effectLst/>
                           <a:latin typeface="Times New Roman"/>
                           <a:ea typeface="ＭＳ 明朝"/>
                           <a:cs typeface="Times New Roman"/>
                         </a:rPr>
+                        <a:t>平成</a:t>
+                      </a:r>
+                      <a:r>
+                        <a:rPr lang="en-US" altLang="ja-JP" sz="900" kern="100" dirty="0" smtClean="0">
+                          <a:effectLst/>
+                          <a:latin typeface="Times New Roman"/>
+                          <a:ea typeface="ＭＳ 明朝"/>
+                          <a:cs typeface="Times New Roman"/>
+                        </a:rPr>
+                        <a:t>26</a:t>
+                      </a:r>
+                      <a:r>
+                        <a:rPr lang="ja-JP" altLang="en-US" sz="900" kern="100" dirty="0" smtClean="0">
+                          <a:effectLst/>
+                          <a:latin typeface="Times New Roman"/>
+                          <a:ea typeface="ＭＳ 明朝"/>
+                          <a:cs typeface="Times New Roman"/>
+                        </a:rPr>
+                        <a:t>年</a:t>
+                      </a:r>
+                      <a:endParaRPr lang="ja-JP" sz="900" kern="100" dirty="0">
+                        <a:effectLst/>
+                        <a:latin typeface="Century"/>
+                        <a:ea typeface="ＭＳ 明朝"/>
+                        <a:cs typeface="Times New Roman"/>
+                      </a:endParaRPr>
+                    </a:p>
+                  </a:txBody>
+                  <a:tcPr marL="68580" marR="68580" marT="0" marB="0"/>
+                </a:tc>
+                <a:tc>
+                  <a:txBody>
+                    <a:bodyPr/>
+                    <a:lstStyle/>
+                    <a:p>
+                      <a:pPr algn="just">
+                        <a:spcAft>
+                          <a:spcPts val="0"/>
+                        </a:spcAft>
+                      </a:pPr>
+                      <a:r>
+                        <a:rPr lang="ja-JP" altLang="en-US" sz="900" kern="100" dirty="0" smtClean="0">
+                          <a:effectLst/>
+                          <a:latin typeface="Century"/>
+                          <a:ea typeface="ＭＳ 明朝"/>
+                          <a:cs typeface="Times New Roman"/>
+                        </a:rPr>
+                        <a:t>全小学校</a:t>
+                      </a:r>
+                      <a:endParaRPr lang="ja-JP" sz="900" kern="100" dirty="0">
+                        <a:effectLst/>
+                        <a:latin typeface="Century"/>
+                        <a:ea typeface="ＭＳ 明朝"/>
+                        <a:cs typeface="Times New Roman"/>
+                      </a:endParaRPr>
+                    </a:p>
+                  </a:txBody>
+                  <a:tcPr marL="68580" marR="68580" marT="0" marB="0"/>
+                </a:tc>
+                <a:tc>
+                  <a:txBody>
+                    <a:bodyPr/>
+                    <a:lstStyle/>
+                    <a:p>
+                      <a:pPr algn="just">
+                        <a:spcAft>
+                          <a:spcPts val="0"/>
+                        </a:spcAft>
+                      </a:pPr>
+                      <a:r>
+                        <a:rPr lang="ja-JP" altLang="en-US" sz="900" kern="100" dirty="0" smtClean="0">
+                          <a:effectLst/>
+                          <a:latin typeface="Century"/>
+                          <a:ea typeface="ＭＳ 明朝"/>
+                          <a:cs typeface="Times New Roman"/>
+                        </a:rPr>
+                        <a:t>約</a:t>
+                      </a:r>
+                      <a:r>
+                        <a:rPr lang="en-US" altLang="ja-JP" sz="900" kern="100" dirty="0" smtClean="0">
+                          <a:effectLst/>
+                          <a:latin typeface="Century"/>
+                          <a:ea typeface="ＭＳ 明朝"/>
+                          <a:cs typeface="Times New Roman"/>
+                        </a:rPr>
+                        <a:t>4000</a:t>
+                      </a:r>
+                      <a:r>
+                        <a:rPr lang="ja-JP" altLang="en-US" sz="900" kern="100" dirty="0" smtClean="0">
+                          <a:effectLst/>
+                          <a:latin typeface="Century"/>
+                          <a:ea typeface="ＭＳ 明朝"/>
+                          <a:cs typeface="Times New Roman"/>
+                        </a:rPr>
+                        <a:t>台を配備</a:t>
+                      </a:r>
+                      <a:endParaRPr lang="en-US" altLang="ja-JP" sz="900" kern="100" dirty="0" smtClean="0">
+                        <a:effectLst/>
+                        <a:latin typeface="Century"/>
+                        <a:ea typeface="ＭＳ 明朝"/>
+                        <a:cs typeface="Times New Roman"/>
+                      </a:endParaRPr>
+                    </a:p>
+                    <a:p>
+                      <a:pPr algn="just">
+                        <a:spcAft>
+                          <a:spcPts val="0"/>
+                        </a:spcAft>
+                      </a:pPr>
+                      <a:r>
+                        <a:rPr lang="zh-TW" altLang="en-US" sz="900" kern="100" dirty="0" smtClean="0">
+                          <a:effectLst/>
+                          <a:latin typeface="Century"/>
+                          <a:ea typeface="ＭＳ 明朝"/>
+                          <a:cs typeface="Times New Roman"/>
+                        </a:rPr>
+                        <a:t>生徒</a:t>
+                      </a:r>
+                      <a:r>
+                        <a:rPr lang="en-US" altLang="zh-TW" sz="900" kern="100" dirty="0" smtClean="0">
+                          <a:effectLst/>
+                          <a:latin typeface="Century"/>
+                          <a:ea typeface="ＭＳ 明朝"/>
+                          <a:cs typeface="Times New Roman"/>
+                        </a:rPr>
                         <a:t>1</a:t>
                       </a:r>
                       <a:r>
-                        <a:rPr lang="ja-JP" sz="900" kern="100" dirty="0">
-                          <a:effectLst/>
-                          <a:latin typeface="Times New Roman"/>
+                        <a:rPr lang="zh-TW" altLang="en-US" sz="900" kern="100" dirty="0" smtClean="0">
+                          <a:effectLst/>
+                          <a:latin typeface="Century"/>
                           <a:ea typeface="ＭＳ 明朝"/>
                           <a:cs typeface="Times New Roman"/>
                         </a:rPr>
                         <a:t>人</a:t>
                       </a:r>
                       <a:r>
-                        <a:rPr lang="en-US" sz="900" kern="100" dirty="0">
-                          <a:effectLst/>
-                          <a:latin typeface="Times New Roman"/>
+                        <a:rPr lang="en-US" altLang="zh-TW" sz="900" kern="100" dirty="0" smtClean="0">
+                          <a:effectLst/>
+                          <a:latin typeface="Century"/>
                           <a:ea typeface="ＭＳ 明朝"/>
                           <a:cs typeface="Times New Roman"/>
                         </a:rPr>
                         <a:t>1</a:t>
                       </a:r>
                       <a:r>
-                        <a:rPr lang="ja-JP" sz="900" kern="100" dirty="0">
-                          <a:effectLst/>
-                          <a:latin typeface="Times New Roman"/>
-                          <a:ea typeface="ＭＳ 明朝"/>
-                          <a:cs typeface="Times New Roman"/>
-                        </a:rPr>
-                        <a:t>台</a:t>
-                      </a:r>
-                      <a:r>
-                        <a:rPr lang="ja-JP" sz="900" kern="100" dirty="0" smtClean="0">
-                          <a:effectLst/>
-                          <a:latin typeface="Times New Roman"/>
-                          <a:ea typeface="ＭＳ 明朝"/>
-                          <a:cs typeface="Times New Roman"/>
-                        </a:rPr>
-                        <a:t>環境</a:t>
-                      </a:r>
+                        <a:rPr lang="zh-TW" altLang="en-US" sz="900" kern="100" dirty="0" smtClean="0">
+                          <a:effectLst/>
+                          <a:latin typeface="Century"/>
+                          <a:ea typeface="ＭＳ 明朝"/>
+                          <a:cs typeface="Times New Roman"/>
+                        </a:rPr>
+                        <a:t>台環境</a:t>
+                      </a:r>
+                    </a:p>
+                    <a:p>
+                      <a:pPr algn="just">
+                        <a:spcAft>
+                          <a:spcPts val="0"/>
+                        </a:spcAft>
+                      </a:pPr>
                       <a:endParaRPr lang="ja-JP" sz="900" kern="100" dirty="0">
                         <a:effectLst/>
                         <a:latin typeface="Century"/>
